--- a/11. Others/A. PPTs/Webservices.pptx
+++ b/11. Others/A. PPTs/Webservices.pptx
@@ -6,6 +6,9 @@
   </p:sldMasterIdLst>
   <p:sldIdLst>
     <p:sldId id="256" r:id="rId2"/>
+    <p:sldId id="258" r:id="rId3"/>
+    <p:sldId id="259" r:id="rId4"/>
+    <p:sldId id="257" r:id="rId5"/>
   </p:sldIdLst>
   <p:sldSz cx="12192000" cy="6858000"/>
   <p:notesSz cx="6858000" cy="9144000"/>
@@ -238,7 +241,7 @@
           <a:p>
             <a:fld id="{B55F99EF-60DF-40E3-8C55-0CBD5E924A6D}" type="datetimeFigureOut">
               <a:rPr lang="en-US" smtClean="0"/>
-              <a:t>1/13/2017</a:t>
+              <a:t>11/20/2017</a:t>
             </a:fld>
             <a:endParaRPr lang="en-US"/>
           </a:p>
@@ -408,7 +411,7 @@
           <a:p>
             <a:fld id="{B55F99EF-60DF-40E3-8C55-0CBD5E924A6D}" type="datetimeFigureOut">
               <a:rPr lang="en-US" smtClean="0"/>
-              <a:t>1/13/2017</a:t>
+              <a:t>11/20/2017</a:t>
             </a:fld>
             <a:endParaRPr lang="en-US"/>
           </a:p>
@@ -588,7 +591,7 @@
           <a:p>
             <a:fld id="{B55F99EF-60DF-40E3-8C55-0CBD5E924A6D}" type="datetimeFigureOut">
               <a:rPr lang="en-US" smtClean="0"/>
-              <a:t>1/13/2017</a:t>
+              <a:t>11/20/2017</a:t>
             </a:fld>
             <a:endParaRPr lang="en-US"/>
           </a:p>
@@ -758,7 +761,7 @@
           <a:p>
             <a:fld id="{B55F99EF-60DF-40E3-8C55-0CBD5E924A6D}" type="datetimeFigureOut">
               <a:rPr lang="en-US" smtClean="0"/>
-              <a:t>1/13/2017</a:t>
+              <a:t>11/20/2017</a:t>
             </a:fld>
             <a:endParaRPr lang="en-US"/>
           </a:p>
@@ -1004,7 +1007,7 @@
           <a:p>
             <a:fld id="{B55F99EF-60DF-40E3-8C55-0CBD5E924A6D}" type="datetimeFigureOut">
               <a:rPr lang="en-US" smtClean="0"/>
-              <a:t>1/13/2017</a:t>
+              <a:t>11/20/2017</a:t>
             </a:fld>
             <a:endParaRPr lang="en-US"/>
           </a:p>
@@ -1236,7 +1239,7 @@
           <a:p>
             <a:fld id="{B55F99EF-60DF-40E3-8C55-0CBD5E924A6D}" type="datetimeFigureOut">
               <a:rPr lang="en-US" smtClean="0"/>
-              <a:t>1/13/2017</a:t>
+              <a:t>11/20/2017</a:t>
             </a:fld>
             <a:endParaRPr lang="en-US"/>
           </a:p>
@@ -1603,7 +1606,7 @@
           <a:p>
             <a:fld id="{B55F99EF-60DF-40E3-8C55-0CBD5E924A6D}" type="datetimeFigureOut">
               <a:rPr lang="en-US" smtClean="0"/>
-              <a:t>1/13/2017</a:t>
+              <a:t>11/20/2017</a:t>
             </a:fld>
             <a:endParaRPr lang="en-US"/>
           </a:p>
@@ -1721,7 +1724,7 @@
           <a:p>
             <a:fld id="{B55F99EF-60DF-40E3-8C55-0CBD5E924A6D}" type="datetimeFigureOut">
               <a:rPr lang="en-US" smtClean="0"/>
-              <a:t>1/13/2017</a:t>
+              <a:t>11/20/2017</a:t>
             </a:fld>
             <a:endParaRPr lang="en-US"/>
           </a:p>
@@ -1816,7 +1819,7 @@
           <a:p>
             <a:fld id="{B55F99EF-60DF-40E3-8C55-0CBD5E924A6D}" type="datetimeFigureOut">
               <a:rPr lang="en-US" smtClean="0"/>
-              <a:t>1/13/2017</a:t>
+              <a:t>11/20/2017</a:t>
             </a:fld>
             <a:endParaRPr lang="en-US"/>
           </a:p>
@@ -2093,7 +2096,7 @@
           <a:p>
             <a:fld id="{B55F99EF-60DF-40E3-8C55-0CBD5E924A6D}" type="datetimeFigureOut">
               <a:rPr lang="en-US" smtClean="0"/>
-              <a:t>1/13/2017</a:t>
+              <a:t>11/20/2017</a:t>
             </a:fld>
             <a:endParaRPr lang="en-US"/>
           </a:p>
@@ -2346,7 +2349,7 @@
           <a:p>
             <a:fld id="{B55F99EF-60DF-40E3-8C55-0CBD5E924A6D}" type="datetimeFigureOut">
               <a:rPr lang="en-US" smtClean="0"/>
-              <a:t>1/13/2017</a:t>
+              <a:t>11/20/2017</a:t>
             </a:fld>
             <a:endParaRPr lang="en-US"/>
           </a:p>
@@ -2559,7 +2562,7 @@
           <a:p>
             <a:fld id="{B55F99EF-60DF-40E3-8C55-0CBD5E924A6D}" type="datetimeFigureOut">
               <a:rPr lang="en-US" smtClean="0"/>
-              <a:t>1/13/2017</a:t>
+              <a:t>11/20/2017</a:t>
             </a:fld>
             <a:endParaRPr lang="en-US"/>
           </a:p>
@@ -4599,6 +4602,4204 @@
 </p:sld>
 </file>
 
+<file path=ppt/slides/slide2.xml><?xml version="1.0" encoding="utf-8"?>
+<p:sld xmlns:a="http://schemas.openxmlformats.org/drawingml/2006/main" xmlns:r="http://schemas.openxmlformats.org/officeDocument/2006/relationships" xmlns:p="http://schemas.openxmlformats.org/presentationml/2006/main">
+  <p:cSld>
+    <p:spTree>
+      <p:nvGrpSpPr>
+        <p:cNvPr id="1" name=""/>
+        <p:cNvGrpSpPr/>
+        <p:nvPr/>
+      </p:nvGrpSpPr>
+      <p:grpSpPr>
+        <a:xfrm>
+          <a:off x="0" y="0"/>
+          <a:ext cx="0" cy="0"/>
+          <a:chOff x="0" y="0"/>
+          <a:chExt cx="0" cy="0"/>
+        </a:xfrm>
+      </p:grpSpPr>
+      <p:sp>
+        <p:nvSpPr>
+          <p:cNvPr id="41" name="TextBox 40"/>
+          <p:cNvSpPr txBox="1"/>
+          <p:nvPr/>
+        </p:nvSpPr>
+        <p:spPr>
+          <a:xfrm>
+            <a:off x="3972116" y="104755"/>
+            <a:ext cx="2563272" cy="400110"/>
+          </a:xfrm>
+          <a:prstGeom prst="rect">
+            <a:avLst/>
+          </a:prstGeom>
+          <a:noFill/>
+        </p:spPr>
+        <p:txBody>
+          <a:bodyPr wrap="square" rtlCol="0">
+            <a:spAutoFit/>
+          </a:bodyPr>
+          <a:lstStyle/>
+          <a:p>
+            <a:pPr algn="ctr"/>
+            <a:r>
+              <a:rPr lang="en-US" sz="2000" b="1" dirty="0" smtClean="0">
+                <a:solidFill>
+                  <a:srgbClr val="00B050"/>
+                </a:solidFill>
+              </a:rPr>
+              <a:t>Web </a:t>
+            </a:r>
+            <a:r>
+              <a:rPr lang="en-US" sz="2000" b="1" dirty="0" smtClean="0">
+                <a:solidFill>
+                  <a:srgbClr val="00B050"/>
+                </a:solidFill>
+              </a:rPr>
+              <a:t>Service Provider</a:t>
+            </a:r>
+            <a:endParaRPr lang="en-US" sz="2000" b="1" dirty="0">
+              <a:solidFill>
+                <a:srgbClr val="00B050"/>
+              </a:solidFill>
+            </a:endParaRPr>
+          </a:p>
+        </p:txBody>
+      </p:sp>
+      <p:pic>
+        <p:nvPicPr>
+          <p:cNvPr id="20" name="Picture 19"/>
+          <p:cNvPicPr>
+            <a:picLocks noChangeAspect="1"/>
+          </p:cNvPicPr>
+          <p:nvPr/>
+        </p:nvPicPr>
+        <p:blipFill>
+          <a:blip r:embed="rId2">
+            <a:extLst>
+              <a:ext uri="{28A0092B-C50C-407E-A947-70E740481C1C}">
+                <a14:useLocalDpi xmlns:a14="http://schemas.microsoft.com/office/drawing/2010/main" val="0"/>
+              </a:ext>
+            </a:extLst>
+          </a:blip>
+          <a:stretch>
+            <a:fillRect/>
+          </a:stretch>
+        </p:blipFill>
+        <p:spPr>
+          <a:xfrm>
+            <a:off x="3653170" y="472871"/>
+            <a:ext cx="3201164" cy="6182037"/>
+          </a:xfrm>
+          <a:prstGeom prst="rect">
+            <a:avLst/>
+          </a:prstGeom>
+        </p:spPr>
+      </p:pic>
+      <p:sp>
+        <p:nvSpPr>
+          <p:cNvPr id="28" name="Freeform 27"/>
+          <p:cNvSpPr/>
+          <p:nvPr/>
+        </p:nvSpPr>
+        <p:spPr>
+          <a:xfrm>
+            <a:off x="4276865" y="3170091"/>
+            <a:ext cx="1811819" cy="751262"/>
+          </a:xfrm>
+          <a:custGeom>
+            <a:avLst/>
+            <a:gdLst>
+              <a:gd name="connsiteX0" fmla="*/ 622852 w 1116139"/>
+              <a:gd name="connsiteY0" fmla="*/ 41611 h 483432"/>
+              <a:gd name="connsiteX1" fmla="*/ 384313 w 1116139"/>
+              <a:gd name="connsiteY1" fmla="*/ 1854 h 483432"/>
+              <a:gd name="connsiteX2" fmla="*/ 212035 w 1116139"/>
+              <a:gd name="connsiteY2" fmla="*/ 94619 h 483432"/>
+              <a:gd name="connsiteX3" fmla="*/ 92765 w 1116139"/>
+              <a:gd name="connsiteY3" fmla="*/ 147628 h 483432"/>
+              <a:gd name="connsiteX4" fmla="*/ 0 w 1116139"/>
+              <a:gd name="connsiteY4" fmla="*/ 306654 h 483432"/>
+              <a:gd name="connsiteX5" fmla="*/ 92765 w 1116139"/>
+              <a:gd name="connsiteY5" fmla="*/ 346411 h 483432"/>
+              <a:gd name="connsiteX6" fmla="*/ 265044 w 1116139"/>
+              <a:gd name="connsiteY6" fmla="*/ 478932 h 483432"/>
+              <a:gd name="connsiteX7" fmla="*/ 371061 w 1116139"/>
+              <a:gd name="connsiteY7" fmla="*/ 452428 h 483432"/>
+              <a:gd name="connsiteX8" fmla="*/ 583096 w 1116139"/>
+              <a:gd name="connsiteY8" fmla="*/ 452428 h 483432"/>
+              <a:gd name="connsiteX9" fmla="*/ 675861 w 1116139"/>
+              <a:gd name="connsiteY9" fmla="*/ 425924 h 483432"/>
+              <a:gd name="connsiteX10" fmla="*/ 821635 w 1116139"/>
+              <a:gd name="connsiteY10" fmla="*/ 452428 h 483432"/>
+              <a:gd name="connsiteX11" fmla="*/ 901148 w 1116139"/>
+              <a:gd name="connsiteY11" fmla="*/ 386167 h 483432"/>
+              <a:gd name="connsiteX12" fmla="*/ 980661 w 1116139"/>
+              <a:gd name="connsiteY12" fmla="*/ 425924 h 483432"/>
+              <a:gd name="connsiteX13" fmla="*/ 1086678 w 1116139"/>
+              <a:gd name="connsiteY13" fmla="*/ 346411 h 483432"/>
+              <a:gd name="connsiteX14" fmla="*/ 1086678 w 1116139"/>
+              <a:gd name="connsiteY14" fmla="*/ 280150 h 483432"/>
+              <a:gd name="connsiteX15" fmla="*/ 1113183 w 1116139"/>
+              <a:gd name="connsiteY15" fmla="*/ 187384 h 483432"/>
+              <a:gd name="connsiteX16" fmla="*/ 1007165 w 1116139"/>
+              <a:gd name="connsiteY16" fmla="*/ 134376 h 483432"/>
+              <a:gd name="connsiteX17" fmla="*/ 848139 w 1116139"/>
+              <a:gd name="connsiteY17" fmla="*/ 94619 h 483432"/>
+              <a:gd name="connsiteX18" fmla="*/ 715618 w 1116139"/>
+              <a:gd name="connsiteY18" fmla="*/ 28358 h 483432"/>
+              <a:gd name="connsiteX19" fmla="*/ 543339 w 1116139"/>
+              <a:gd name="connsiteY19" fmla="*/ 28358 h 483432"/>
+              <a:gd name="connsiteX20" fmla="*/ 530087 w 1116139"/>
+              <a:gd name="connsiteY20" fmla="*/ 15106 h 483432"/>
+            </a:gdLst>
+            <a:ahLst/>
+            <a:cxnLst>
+              <a:cxn ang="0">
+                <a:pos x="connsiteX0" y="connsiteY0"/>
+              </a:cxn>
+              <a:cxn ang="0">
+                <a:pos x="connsiteX1" y="connsiteY1"/>
+              </a:cxn>
+              <a:cxn ang="0">
+                <a:pos x="connsiteX2" y="connsiteY2"/>
+              </a:cxn>
+              <a:cxn ang="0">
+                <a:pos x="connsiteX3" y="connsiteY3"/>
+              </a:cxn>
+              <a:cxn ang="0">
+                <a:pos x="connsiteX4" y="connsiteY4"/>
+              </a:cxn>
+              <a:cxn ang="0">
+                <a:pos x="connsiteX5" y="connsiteY5"/>
+              </a:cxn>
+              <a:cxn ang="0">
+                <a:pos x="connsiteX6" y="connsiteY6"/>
+              </a:cxn>
+              <a:cxn ang="0">
+                <a:pos x="connsiteX7" y="connsiteY7"/>
+              </a:cxn>
+              <a:cxn ang="0">
+                <a:pos x="connsiteX8" y="connsiteY8"/>
+              </a:cxn>
+              <a:cxn ang="0">
+                <a:pos x="connsiteX9" y="connsiteY9"/>
+              </a:cxn>
+              <a:cxn ang="0">
+                <a:pos x="connsiteX10" y="connsiteY10"/>
+              </a:cxn>
+              <a:cxn ang="0">
+                <a:pos x="connsiteX11" y="connsiteY11"/>
+              </a:cxn>
+              <a:cxn ang="0">
+                <a:pos x="connsiteX12" y="connsiteY12"/>
+              </a:cxn>
+              <a:cxn ang="0">
+                <a:pos x="connsiteX13" y="connsiteY13"/>
+              </a:cxn>
+              <a:cxn ang="0">
+                <a:pos x="connsiteX14" y="connsiteY14"/>
+              </a:cxn>
+              <a:cxn ang="0">
+                <a:pos x="connsiteX15" y="connsiteY15"/>
+              </a:cxn>
+              <a:cxn ang="0">
+                <a:pos x="connsiteX16" y="connsiteY16"/>
+              </a:cxn>
+              <a:cxn ang="0">
+                <a:pos x="connsiteX17" y="connsiteY17"/>
+              </a:cxn>
+              <a:cxn ang="0">
+                <a:pos x="connsiteX18" y="connsiteY18"/>
+              </a:cxn>
+              <a:cxn ang="0">
+                <a:pos x="connsiteX19" y="connsiteY19"/>
+              </a:cxn>
+              <a:cxn ang="0">
+                <a:pos x="connsiteX20" y="connsiteY20"/>
+              </a:cxn>
+            </a:cxnLst>
+            <a:rect l="l" t="t" r="r" b="b"/>
+            <a:pathLst>
+              <a:path w="1116139" h="483432">
+                <a:moveTo>
+                  <a:pt x="622852" y="41611"/>
+                </a:moveTo>
+                <a:cubicBezTo>
+                  <a:pt x="537817" y="17315"/>
+                  <a:pt x="452782" y="-6981"/>
+                  <a:pt x="384313" y="1854"/>
+                </a:cubicBezTo>
+                <a:cubicBezTo>
+                  <a:pt x="315843" y="10689"/>
+                  <a:pt x="260626" y="70323"/>
+                  <a:pt x="212035" y="94619"/>
+                </a:cubicBezTo>
+                <a:cubicBezTo>
+                  <a:pt x="163444" y="118915"/>
+                  <a:pt x="128104" y="112289"/>
+                  <a:pt x="92765" y="147628"/>
+                </a:cubicBezTo>
+                <a:cubicBezTo>
+                  <a:pt x="57426" y="182967"/>
+                  <a:pt x="0" y="273524"/>
+                  <a:pt x="0" y="306654"/>
+                </a:cubicBezTo>
+                <a:cubicBezTo>
+                  <a:pt x="0" y="339784"/>
+                  <a:pt x="48591" y="317698"/>
+                  <a:pt x="92765" y="346411"/>
+                </a:cubicBezTo>
+                <a:cubicBezTo>
+                  <a:pt x="136939" y="375124"/>
+                  <a:pt x="218661" y="461263"/>
+                  <a:pt x="265044" y="478932"/>
+                </a:cubicBezTo>
+                <a:cubicBezTo>
+                  <a:pt x="311427" y="496601"/>
+                  <a:pt x="318052" y="456845"/>
+                  <a:pt x="371061" y="452428"/>
+                </a:cubicBezTo>
+                <a:cubicBezTo>
+                  <a:pt x="424070" y="448011"/>
+                  <a:pt x="532296" y="456845"/>
+                  <a:pt x="583096" y="452428"/>
+                </a:cubicBezTo>
+                <a:cubicBezTo>
+                  <a:pt x="633896" y="448011"/>
+                  <a:pt x="636105" y="425924"/>
+                  <a:pt x="675861" y="425924"/>
+                </a:cubicBezTo>
+                <a:cubicBezTo>
+                  <a:pt x="715617" y="425924"/>
+                  <a:pt x="784087" y="459054"/>
+                  <a:pt x="821635" y="452428"/>
+                </a:cubicBezTo>
+                <a:cubicBezTo>
+                  <a:pt x="859183" y="445802"/>
+                  <a:pt x="874644" y="390584"/>
+                  <a:pt x="901148" y="386167"/>
+                </a:cubicBezTo>
+                <a:cubicBezTo>
+                  <a:pt x="927652" y="381750"/>
+                  <a:pt x="949739" y="432550"/>
+                  <a:pt x="980661" y="425924"/>
+                </a:cubicBezTo>
+                <a:cubicBezTo>
+                  <a:pt x="1011583" y="419298"/>
+                  <a:pt x="1069009" y="370707"/>
+                  <a:pt x="1086678" y="346411"/>
+                </a:cubicBezTo>
+                <a:cubicBezTo>
+                  <a:pt x="1104347" y="322115"/>
+                  <a:pt x="1082261" y="306654"/>
+                  <a:pt x="1086678" y="280150"/>
+                </a:cubicBezTo>
+                <a:cubicBezTo>
+                  <a:pt x="1091095" y="253646"/>
+                  <a:pt x="1126435" y="211680"/>
+                  <a:pt x="1113183" y="187384"/>
+                </a:cubicBezTo>
+                <a:cubicBezTo>
+                  <a:pt x="1099931" y="163088"/>
+                  <a:pt x="1051339" y="149837"/>
+                  <a:pt x="1007165" y="134376"/>
+                </a:cubicBezTo>
+                <a:cubicBezTo>
+                  <a:pt x="962991" y="118915"/>
+                  <a:pt x="896730" y="112289"/>
+                  <a:pt x="848139" y="94619"/>
+                </a:cubicBezTo>
+                <a:cubicBezTo>
+                  <a:pt x="799548" y="76949"/>
+                  <a:pt x="766418" y="39401"/>
+                  <a:pt x="715618" y="28358"/>
+                </a:cubicBezTo>
+                <a:cubicBezTo>
+                  <a:pt x="664818" y="17314"/>
+                  <a:pt x="574261" y="30567"/>
+                  <a:pt x="543339" y="28358"/>
+                </a:cubicBezTo>
+                <a:cubicBezTo>
+                  <a:pt x="512417" y="26149"/>
+                  <a:pt x="521252" y="20627"/>
+                  <a:pt x="530087" y="15106"/>
+                </a:cubicBezTo>
+              </a:path>
+            </a:pathLst>
+          </a:custGeom>
+          <a:solidFill>
+            <a:schemeClr val="bg1"/>
+          </a:solidFill>
+          <a:ln w="38100">
+            <a:solidFill>
+              <a:srgbClr val="FF0000"/>
+            </a:solidFill>
+          </a:ln>
+        </p:spPr>
+        <p:style>
+          <a:lnRef idx="2">
+            <a:schemeClr val="accent1">
+              <a:shade val="50000"/>
+            </a:schemeClr>
+          </a:lnRef>
+          <a:fillRef idx="1">
+            <a:schemeClr val="accent1"/>
+          </a:fillRef>
+          <a:effectRef idx="0">
+            <a:schemeClr val="accent1"/>
+          </a:effectRef>
+          <a:fontRef idx="minor">
+            <a:schemeClr val="lt1"/>
+          </a:fontRef>
+        </p:style>
+        <p:txBody>
+          <a:bodyPr rtlCol="0" anchor="ctr"/>
+          <a:lstStyle/>
+          <a:p>
+            <a:pPr algn="ctr"/>
+            <a:r>
+              <a:rPr lang="en-US" b="1" dirty="0">
+                <a:solidFill>
+                  <a:schemeClr val="tx1"/>
+                </a:solidFill>
+              </a:rPr>
+              <a:t>G</a:t>
+            </a:r>
+            <a:r>
+              <a:rPr lang="en-US" b="1" dirty="0" smtClean="0">
+                <a:solidFill>
+                  <a:schemeClr val="tx1"/>
+                </a:solidFill>
+              </a:rPr>
+              <a:t>oogleMaps</a:t>
+            </a:r>
+            <a:endParaRPr lang="en-US" b="1" dirty="0">
+              <a:solidFill>
+                <a:schemeClr val="tx1"/>
+              </a:solidFill>
+            </a:endParaRPr>
+          </a:p>
+        </p:txBody>
+      </p:sp>
+      <p:pic>
+        <p:nvPicPr>
+          <p:cNvPr id="36" name="Picture 35"/>
+          <p:cNvPicPr>
+            <a:picLocks noChangeAspect="1"/>
+          </p:cNvPicPr>
+          <p:nvPr/>
+        </p:nvPicPr>
+        <p:blipFill>
+          <a:blip r:embed="rId2">
+            <a:extLst>
+              <a:ext uri="{28A0092B-C50C-407E-A947-70E740481C1C}">
+                <a14:useLocalDpi xmlns:a14="http://schemas.microsoft.com/office/drawing/2010/main" val="0"/>
+              </a:ext>
+            </a:extLst>
+          </a:blip>
+          <a:stretch>
+            <a:fillRect/>
+          </a:stretch>
+        </p:blipFill>
+        <p:spPr>
+          <a:xfrm>
+            <a:off x="8474551" y="472870"/>
+            <a:ext cx="3201164" cy="6182037"/>
+          </a:xfrm>
+          <a:prstGeom prst="rect">
+            <a:avLst/>
+          </a:prstGeom>
+        </p:spPr>
+      </p:pic>
+      <p:sp>
+        <p:nvSpPr>
+          <p:cNvPr id="37" name="Flowchart: Magnetic Disk 36"/>
+          <p:cNvSpPr/>
+          <p:nvPr/>
+        </p:nvSpPr>
+        <p:spPr>
+          <a:xfrm>
+            <a:off x="9211037" y="2960577"/>
+            <a:ext cx="1728192" cy="1170291"/>
+          </a:xfrm>
+          <a:prstGeom prst="flowChartMagneticDisk">
+            <a:avLst/>
+          </a:prstGeom>
+          <a:noFill/>
+          <a:ln w="57150" cmpd="sng">
+            <a:solidFill>
+              <a:srgbClr val="FF0000"/>
+            </a:solidFill>
+          </a:ln>
+        </p:spPr>
+        <p:style>
+          <a:lnRef idx="2">
+            <a:schemeClr val="accent1">
+              <a:shade val="50000"/>
+            </a:schemeClr>
+          </a:lnRef>
+          <a:fillRef idx="1">
+            <a:schemeClr val="accent1"/>
+          </a:fillRef>
+          <a:effectRef idx="0">
+            <a:schemeClr val="accent1"/>
+          </a:effectRef>
+          <a:fontRef idx="minor">
+            <a:schemeClr val="lt1"/>
+          </a:fontRef>
+        </p:style>
+        <p:txBody>
+          <a:bodyPr rtlCol="0" anchor="ctr"/>
+          <a:lstStyle/>
+          <a:p>
+            <a:pPr algn="ctr"/>
+            <a:r>
+              <a:rPr lang="en-US" sz="1801" b="1" dirty="0" smtClean="0">
+                <a:solidFill>
+                  <a:schemeClr val="tx1"/>
+                </a:solidFill>
+              </a:rPr>
+              <a:t>DB</a:t>
+            </a:r>
+            <a:endParaRPr lang="en-US" sz="1801" b="1" dirty="0">
+              <a:solidFill>
+                <a:schemeClr val="tx1"/>
+              </a:solidFill>
+            </a:endParaRPr>
+          </a:p>
+        </p:txBody>
+      </p:sp>
+      <p:sp>
+        <p:nvSpPr>
+          <p:cNvPr id="38" name="TextBox 37"/>
+          <p:cNvSpPr txBox="1"/>
+          <p:nvPr/>
+        </p:nvSpPr>
+        <p:spPr>
+          <a:xfrm>
+            <a:off x="8793497" y="1692"/>
+            <a:ext cx="2563272" cy="707886"/>
+          </a:xfrm>
+          <a:prstGeom prst="rect">
+            <a:avLst/>
+          </a:prstGeom>
+          <a:noFill/>
+        </p:spPr>
+        <p:txBody>
+          <a:bodyPr wrap="square" rtlCol="0">
+            <a:spAutoFit/>
+          </a:bodyPr>
+          <a:lstStyle/>
+          <a:p>
+            <a:pPr algn="ctr"/>
+            <a:r>
+              <a:rPr lang="en-US" sz="2000" b="1" dirty="0" smtClean="0">
+                <a:solidFill>
+                  <a:srgbClr val="00B050"/>
+                </a:solidFill>
+              </a:rPr>
+              <a:t>Location Details in </a:t>
+            </a:r>
+          </a:p>
+          <a:p>
+            <a:pPr algn="ctr"/>
+            <a:r>
+              <a:rPr lang="en-US" sz="2000" b="1" dirty="0" smtClean="0">
+                <a:solidFill>
+                  <a:srgbClr val="00B050"/>
+                </a:solidFill>
+              </a:rPr>
+              <a:t>Data Base</a:t>
+            </a:r>
+            <a:endParaRPr lang="en-US" sz="2000" b="1" dirty="0">
+              <a:solidFill>
+                <a:srgbClr val="00B050"/>
+              </a:solidFill>
+            </a:endParaRPr>
+          </a:p>
+        </p:txBody>
+      </p:sp>
+      <p:cxnSp>
+        <p:nvCxnSpPr>
+          <p:cNvPr id="15" name="Straight Arrow Connector 14"/>
+          <p:cNvCxnSpPr/>
+          <p:nvPr/>
+        </p:nvCxnSpPr>
+        <p:spPr>
+          <a:xfrm>
+            <a:off x="290945" y="3073106"/>
+            <a:ext cx="3362225" cy="0"/>
+          </a:xfrm>
+          <a:prstGeom prst="straightConnector1">
+            <a:avLst/>
+          </a:prstGeom>
+          <a:ln w="38100">
+            <a:tailEnd type="arrow"/>
+          </a:ln>
+        </p:spPr>
+        <p:style>
+          <a:lnRef idx="1">
+            <a:schemeClr val="accent1"/>
+          </a:lnRef>
+          <a:fillRef idx="0">
+            <a:schemeClr val="accent1"/>
+          </a:fillRef>
+          <a:effectRef idx="0">
+            <a:schemeClr val="accent1"/>
+          </a:effectRef>
+          <a:fontRef idx="minor">
+            <a:schemeClr val="tx1"/>
+          </a:fontRef>
+        </p:style>
+      </p:cxnSp>
+      <p:cxnSp>
+        <p:nvCxnSpPr>
+          <p:cNvPr id="17" name="Straight Arrow Connector 16"/>
+          <p:cNvCxnSpPr/>
+          <p:nvPr/>
+        </p:nvCxnSpPr>
+        <p:spPr>
+          <a:xfrm>
+            <a:off x="6854334" y="3448737"/>
+            <a:ext cx="1620217" cy="0"/>
+          </a:xfrm>
+          <a:prstGeom prst="straightConnector1">
+            <a:avLst/>
+          </a:prstGeom>
+          <a:ln w="38100">
+            <a:tailEnd type="arrow"/>
+          </a:ln>
+        </p:spPr>
+        <p:style>
+          <a:lnRef idx="1">
+            <a:schemeClr val="accent1"/>
+          </a:lnRef>
+          <a:fillRef idx="0">
+            <a:schemeClr val="accent1"/>
+          </a:fillRef>
+          <a:effectRef idx="0">
+            <a:schemeClr val="accent1"/>
+          </a:effectRef>
+          <a:fontRef idx="minor">
+            <a:schemeClr val="tx1"/>
+          </a:fontRef>
+        </p:style>
+      </p:cxnSp>
+      <p:cxnSp>
+        <p:nvCxnSpPr>
+          <p:cNvPr id="19" name="Straight Arrow Connector 18"/>
+          <p:cNvCxnSpPr/>
+          <p:nvPr/>
+        </p:nvCxnSpPr>
+        <p:spPr>
+          <a:xfrm flipH="1">
+            <a:off x="6854334" y="3824368"/>
+            <a:ext cx="1620217" cy="0"/>
+          </a:xfrm>
+          <a:prstGeom prst="straightConnector1">
+            <a:avLst/>
+          </a:prstGeom>
+          <a:ln w="38100">
+            <a:tailEnd type="arrow"/>
+          </a:ln>
+        </p:spPr>
+        <p:style>
+          <a:lnRef idx="1">
+            <a:schemeClr val="accent1"/>
+          </a:lnRef>
+          <a:fillRef idx="0">
+            <a:schemeClr val="accent1"/>
+          </a:fillRef>
+          <a:effectRef idx="0">
+            <a:schemeClr val="accent1"/>
+          </a:effectRef>
+          <a:fontRef idx="minor">
+            <a:schemeClr val="tx1"/>
+          </a:fontRef>
+        </p:style>
+      </p:cxnSp>
+      <p:cxnSp>
+        <p:nvCxnSpPr>
+          <p:cNvPr id="43" name="Straight Arrow Connector 42"/>
+          <p:cNvCxnSpPr/>
+          <p:nvPr/>
+        </p:nvCxnSpPr>
+        <p:spPr>
+          <a:xfrm flipH="1">
+            <a:off x="290945" y="3824368"/>
+            <a:ext cx="3362226" cy="0"/>
+          </a:xfrm>
+          <a:prstGeom prst="straightConnector1">
+            <a:avLst/>
+          </a:prstGeom>
+          <a:ln w="38100">
+            <a:tailEnd type="arrow"/>
+          </a:ln>
+        </p:spPr>
+        <p:style>
+          <a:lnRef idx="1">
+            <a:schemeClr val="accent1"/>
+          </a:lnRef>
+          <a:fillRef idx="0">
+            <a:schemeClr val="accent1"/>
+          </a:fillRef>
+          <a:effectRef idx="0">
+            <a:schemeClr val="accent1"/>
+          </a:effectRef>
+          <a:fontRef idx="minor">
+            <a:schemeClr val="tx1"/>
+          </a:fontRef>
+        </p:style>
+      </p:cxnSp>
+      <p:sp>
+        <p:nvSpPr>
+          <p:cNvPr id="46" name="TextBox 45"/>
+          <p:cNvSpPr txBox="1"/>
+          <p:nvPr/>
+        </p:nvSpPr>
+        <p:spPr>
+          <a:xfrm>
+            <a:off x="547447" y="3930813"/>
+            <a:ext cx="3105724" cy="1631216"/>
+          </a:xfrm>
+          <a:prstGeom prst="rect">
+            <a:avLst/>
+          </a:prstGeom>
+          <a:noFill/>
+        </p:spPr>
+        <p:txBody>
+          <a:bodyPr wrap="square" rtlCol="0">
+            <a:spAutoFit/>
+          </a:bodyPr>
+          <a:lstStyle/>
+          <a:p>
+            <a:r>
+              <a:rPr lang="en-US" sz="2000" b="1" dirty="0" smtClean="0"/>
+              <a:t>“Location Details” such as </a:t>
+            </a:r>
+          </a:p>
+          <a:p>
+            <a:pPr marL="914400" lvl="1" indent="-457200">
+              <a:buAutoNum type="arabicPeriod"/>
+            </a:pPr>
+            <a:r>
+              <a:rPr lang="en-US" sz="2000" b="1" dirty="0"/>
+              <a:t>Latitude </a:t>
+            </a:r>
+            <a:endParaRPr lang="en-US" sz="2000" b="1" dirty="0" smtClean="0"/>
+          </a:p>
+          <a:p>
+            <a:pPr marL="914400" lvl="1" indent="-457200">
+              <a:buAutoNum type="arabicPeriod"/>
+            </a:pPr>
+            <a:r>
+              <a:rPr lang="en-US" sz="2000" b="1" dirty="0"/>
+              <a:t>Longitude </a:t>
+            </a:r>
+            <a:endParaRPr lang="en-US" sz="2000" b="1" dirty="0" smtClean="0"/>
+          </a:p>
+          <a:p>
+            <a:pPr marL="914400" lvl="1" indent="-457200">
+              <a:buAutoNum type="arabicPeriod"/>
+            </a:pPr>
+            <a:r>
+              <a:rPr lang="en-US" sz="2000" b="1" dirty="0"/>
+              <a:t>Full </a:t>
+            </a:r>
+            <a:r>
+              <a:rPr lang="en-US" sz="2000" b="1" dirty="0" smtClean="0"/>
+              <a:t>Address</a:t>
+            </a:r>
+          </a:p>
+          <a:p>
+            <a:r>
+              <a:rPr lang="en-US" sz="2000" b="1" dirty="0" smtClean="0"/>
+              <a:t>in XML and JSON</a:t>
+            </a:r>
+            <a:endParaRPr lang="en-US" sz="2000" b="1" dirty="0"/>
+          </a:p>
+        </p:txBody>
+      </p:sp>
+      <p:sp>
+        <p:nvSpPr>
+          <p:cNvPr id="48" name="TextBox 47"/>
+          <p:cNvSpPr txBox="1"/>
+          <p:nvPr/>
+        </p:nvSpPr>
+        <p:spPr>
+          <a:xfrm>
+            <a:off x="690421" y="2672996"/>
+            <a:ext cx="2563272" cy="400110"/>
+          </a:xfrm>
+          <a:prstGeom prst="rect">
+            <a:avLst/>
+          </a:prstGeom>
+          <a:noFill/>
+        </p:spPr>
+        <p:txBody>
+          <a:bodyPr wrap="square" rtlCol="0">
+            <a:spAutoFit/>
+          </a:bodyPr>
+          <a:lstStyle/>
+          <a:p>
+            <a:pPr algn="ctr"/>
+            <a:r>
+              <a:rPr lang="en-US" sz="2000" b="1" dirty="0" smtClean="0"/>
+              <a:t>“Location”</a:t>
+            </a:r>
+            <a:endParaRPr lang="en-US" sz="2000" b="1" dirty="0"/>
+          </a:p>
+        </p:txBody>
+      </p:sp>
+    </p:spTree>
+    <p:extLst>
+      <p:ext uri="{BB962C8B-B14F-4D97-AF65-F5344CB8AC3E}">
+        <p14:creationId xmlns:p14="http://schemas.microsoft.com/office/powerpoint/2010/main" val="1442014334"/>
+      </p:ext>
+    </p:extLst>
+  </p:cSld>
+  <p:clrMapOvr>
+    <a:masterClrMapping/>
+  </p:clrMapOvr>
+  <p:timing>
+    <p:tnLst>
+      <p:par>
+        <p:cTn id="1" dur="indefinite" restart="never" nodeType="tmRoot"/>
+      </p:par>
+    </p:tnLst>
+  </p:timing>
+</p:sld>
+</file>
+
+<file path=ppt/slides/slide3.xml><?xml version="1.0" encoding="utf-8"?>
+<p:sld xmlns:a="http://schemas.openxmlformats.org/drawingml/2006/main" xmlns:r="http://schemas.openxmlformats.org/officeDocument/2006/relationships" xmlns:p="http://schemas.openxmlformats.org/presentationml/2006/main">
+  <p:cSld>
+    <p:spTree>
+      <p:nvGrpSpPr>
+        <p:cNvPr id="1" name=""/>
+        <p:cNvGrpSpPr/>
+        <p:nvPr/>
+      </p:nvGrpSpPr>
+      <p:grpSpPr>
+        <a:xfrm>
+          <a:off x="0" y="0"/>
+          <a:ext cx="0" cy="0"/>
+          <a:chOff x="0" y="0"/>
+          <a:chExt cx="0" cy="0"/>
+        </a:xfrm>
+      </p:grpSpPr>
+      <p:cxnSp>
+        <p:nvCxnSpPr>
+          <p:cNvPr id="26" name="Straight Arrow Connector 25"/>
+          <p:cNvCxnSpPr/>
+          <p:nvPr/>
+        </p:nvCxnSpPr>
+        <p:spPr>
+          <a:xfrm>
+            <a:off x="2503049" y="1558042"/>
+            <a:ext cx="1764151" cy="1083558"/>
+          </a:xfrm>
+          <a:prstGeom prst="straightConnector1">
+            <a:avLst/>
+          </a:prstGeom>
+          <a:ln w="38100">
+            <a:headEnd type="triangle"/>
+            <a:tailEnd type="triangle"/>
+          </a:ln>
+        </p:spPr>
+        <p:style>
+          <a:lnRef idx="3">
+            <a:schemeClr val="accent1"/>
+          </a:lnRef>
+          <a:fillRef idx="0">
+            <a:schemeClr val="accent1"/>
+          </a:fillRef>
+          <a:effectRef idx="2">
+            <a:schemeClr val="accent1"/>
+          </a:effectRef>
+          <a:fontRef idx="minor">
+            <a:schemeClr val="tx1"/>
+          </a:fontRef>
+        </p:style>
+      </p:cxnSp>
+      <p:sp>
+        <p:nvSpPr>
+          <p:cNvPr id="31" name="TextBox 30"/>
+          <p:cNvSpPr txBox="1"/>
+          <p:nvPr/>
+        </p:nvSpPr>
+        <p:spPr>
+          <a:xfrm>
+            <a:off x="1021332" y="1113531"/>
+            <a:ext cx="976614" cy="369460"/>
+          </a:xfrm>
+          <a:prstGeom prst="rect">
+            <a:avLst/>
+          </a:prstGeom>
+          <a:noFill/>
+        </p:spPr>
+        <p:txBody>
+          <a:bodyPr wrap="none" rtlCol="0">
+            <a:spAutoFit/>
+          </a:bodyPr>
+          <a:lstStyle/>
+          <a:p>
+            <a:pPr algn="ctr"/>
+            <a:r>
+              <a:rPr lang="en-US" sz="1801" b="1" dirty="0" smtClean="0"/>
+              <a:t>Browser</a:t>
+            </a:r>
+            <a:endParaRPr lang="en-US" sz="1801" b="1" dirty="0"/>
+          </a:p>
+        </p:txBody>
+      </p:sp>
+      <p:sp>
+        <p:nvSpPr>
+          <p:cNvPr id="32" name="Freeform 31"/>
+          <p:cNvSpPr/>
+          <p:nvPr/>
+        </p:nvSpPr>
+        <p:spPr>
+          <a:xfrm>
+            <a:off x="951961" y="866214"/>
+            <a:ext cx="1115357" cy="864095"/>
+          </a:xfrm>
+          <a:custGeom>
+            <a:avLst/>
+            <a:gdLst>
+              <a:gd name="connsiteX0" fmla="*/ 622852 w 1116139"/>
+              <a:gd name="connsiteY0" fmla="*/ 41611 h 483432"/>
+              <a:gd name="connsiteX1" fmla="*/ 384313 w 1116139"/>
+              <a:gd name="connsiteY1" fmla="*/ 1854 h 483432"/>
+              <a:gd name="connsiteX2" fmla="*/ 212035 w 1116139"/>
+              <a:gd name="connsiteY2" fmla="*/ 94619 h 483432"/>
+              <a:gd name="connsiteX3" fmla="*/ 92765 w 1116139"/>
+              <a:gd name="connsiteY3" fmla="*/ 147628 h 483432"/>
+              <a:gd name="connsiteX4" fmla="*/ 0 w 1116139"/>
+              <a:gd name="connsiteY4" fmla="*/ 306654 h 483432"/>
+              <a:gd name="connsiteX5" fmla="*/ 92765 w 1116139"/>
+              <a:gd name="connsiteY5" fmla="*/ 346411 h 483432"/>
+              <a:gd name="connsiteX6" fmla="*/ 265044 w 1116139"/>
+              <a:gd name="connsiteY6" fmla="*/ 478932 h 483432"/>
+              <a:gd name="connsiteX7" fmla="*/ 371061 w 1116139"/>
+              <a:gd name="connsiteY7" fmla="*/ 452428 h 483432"/>
+              <a:gd name="connsiteX8" fmla="*/ 583096 w 1116139"/>
+              <a:gd name="connsiteY8" fmla="*/ 452428 h 483432"/>
+              <a:gd name="connsiteX9" fmla="*/ 675861 w 1116139"/>
+              <a:gd name="connsiteY9" fmla="*/ 425924 h 483432"/>
+              <a:gd name="connsiteX10" fmla="*/ 821635 w 1116139"/>
+              <a:gd name="connsiteY10" fmla="*/ 452428 h 483432"/>
+              <a:gd name="connsiteX11" fmla="*/ 901148 w 1116139"/>
+              <a:gd name="connsiteY11" fmla="*/ 386167 h 483432"/>
+              <a:gd name="connsiteX12" fmla="*/ 980661 w 1116139"/>
+              <a:gd name="connsiteY12" fmla="*/ 425924 h 483432"/>
+              <a:gd name="connsiteX13" fmla="*/ 1086678 w 1116139"/>
+              <a:gd name="connsiteY13" fmla="*/ 346411 h 483432"/>
+              <a:gd name="connsiteX14" fmla="*/ 1086678 w 1116139"/>
+              <a:gd name="connsiteY14" fmla="*/ 280150 h 483432"/>
+              <a:gd name="connsiteX15" fmla="*/ 1113183 w 1116139"/>
+              <a:gd name="connsiteY15" fmla="*/ 187384 h 483432"/>
+              <a:gd name="connsiteX16" fmla="*/ 1007165 w 1116139"/>
+              <a:gd name="connsiteY16" fmla="*/ 134376 h 483432"/>
+              <a:gd name="connsiteX17" fmla="*/ 848139 w 1116139"/>
+              <a:gd name="connsiteY17" fmla="*/ 94619 h 483432"/>
+              <a:gd name="connsiteX18" fmla="*/ 715618 w 1116139"/>
+              <a:gd name="connsiteY18" fmla="*/ 28358 h 483432"/>
+              <a:gd name="connsiteX19" fmla="*/ 543339 w 1116139"/>
+              <a:gd name="connsiteY19" fmla="*/ 28358 h 483432"/>
+              <a:gd name="connsiteX20" fmla="*/ 530087 w 1116139"/>
+              <a:gd name="connsiteY20" fmla="*/ 15106 h 483432"/>
+            </a:gdLst>
+            <a:ahLst/>
+            <a:cxnLst>
+              <a:cxn ang="0">
+                <a:pos x="connsiteX0" y="connsiteY0"/>
+              </a:cxn>
+              <a:cxn ang="0">
+                <a:pos x="connsiteX1" y="connsiteY1"/>
+              </a:cxn>
+              <a:cxn ang="0">
+                <a:pos x="connsiteX2" y="connsiteY2"/>
+              </a:cxn>
+              <a:cxn ang="0">
+                <a:pos x="connsiteX3" y="connsiteY3"/>
+              </a:cxn>
+              <a:cxn ang="0">
+                <a:pos x="connsiteX4" y="connsiteY4"/>
+              </a:cxn>
+              <a:cxn ang="0">
+                <a:pos x="connsiteX5" y="connsiteY5"/>
+              </a:cxn>
+              <a:cxn ang="0">
+                <a:pos x="connsiteX6" y="connsiteY6"/>
+              </a:cxn>
+              <a:cxn ang="0">
+                <a:pos x="connsiteX7" y="connsiteY7"/>
+              </a:cxn>
+              <a:cxn ang="0">
+                <a:pos x="connsiteX8" y="connsiteY8"/>
+              </a:cxn>
+              <a:cxn ang="0">
+                <a:pos x="connsiteX9" y="connsiteY9"/>
+              </a:cxn>
+              <a:cxn ang="0">
+                <a:pos x="connsiteX10" y="connsiteY10"/>
+              </a:cxn>
+              <a:cxn ang="0">
+                <a:pos x="connsiteX11" y="connsiteY11"/>
+              </a:cxn>
+              <a:cxn ang="0">
+                <a:pos x="connsiteX12" y="connsiteY12"/>
+              </a:cxn>
+              <a:cxn ang="0">
+                <a:pos x="connsiteX13" y="connsiteY13"/>
+              </a:cxn>
+              <a:cxn ang="0">
+                <a:pos x="connsiteX14" y="connsiteY14"/>
+              </a:cxn>
+              <a:cxn ang="0">
+                <a:pos x="connsiteX15" y="connsiteY15"/>
+              </a:cxn>
+              <a:cxn ang="0">
+                <a:pos x="connsiteX16" y="connsiteY16"/>
+              </a:cxn>
+              <a:cxn ang="0">
+                <a:pos x="connsiteX17" y="connsiteY17"/>
+              </a:cxn>
+              <a:cxn ang="0">
+                <a:pos x="connsiteX18" y="connsiteY18"/>
+              </a:cxn>
+              <a:cxn ang="0">
+                <a:pos x="connsiteX19" y="connsiteY19"/>
+              </a:cxn>
+              <a:cxn ang="0">
+                <a:pos x="connsiteX20" y="connsiteY20"/>
+              </a:cxn>
+            </a:cxnLst>
+            <a:rect l="l" t="t" r="r" b="b"/>
+            <a:pathLst>
+              <a:path w="1116139" h="483432">
+                <a:moveTo>
+                  <a:pt x="622852" y="41611"/>
+                </a:moveTo>
+                <a:cubicBezTo>
+                  <a:pt x="537817" y="17315"/>
+                  <a:pt x="452782" y="-6981"/>
+                  <a:pt x="384313" y="1854"/>
+                </a:cubicBezTo>
+                <a:cubicBezTo>
+                  <a:pt x="315843" y="10689"/>
+                  <a:pt x="260626" y="70323"/>
+                  <a:pt x="212035" y="94619"/>
+                </a:cubicBezTo>
+                <a:cubicBezTo>
+                  <a:pt x="163444" y="118915"/>
+                  <a:pt x="128104" y="112289"/>
+                  <a:pt x="92765" y="147628"/>
+                </a:cubicBezTo>
+                <a:cubicBezTo>
+                  <a:pt x="57426" y="182967"/>
+                  <a:pt x="0" y="273524"/>
+                  <a:pt x="0" y="306654"/>
+                </a:cubicBezTo>
+                <a:cubicBezTo>
+                  <a:pt x="0" y="339784"/>
+                  <a:pt x="48591" y="317698"/>
+                  <a:pt x="92765" y="346411"/>
+                </a:cubicBezTo>
+                <a:cubicBezTo>
+                  <a:pt x="136939" y="375124"/>
+                  <a:pt x="218661" y="461263"/>
+                  <a:pt x="265044" y="478932"/>
+                </a:cubicBezTo>
+                <a:cubicBezTo>
+                  <a:pt x="311427" y="496601"/>
+                  <a:pt x="318052" y="456845"/>
+                  <a:pt x="371061" y="452428"/>
+                </a:cubicBezTo>
+                <a:cubicBezTo>
+                  <a:pt x="424070" y="448011"/>
+                  <a:pt x="532296" y="456845"/>
+                  <a:pt x="583096" y="452428"/>
+                </a:cubicBezTo>
+                <a:cubicBezTo>
+                  <a:pt x="633896" y="448011"/>
+                  <a:pt x="636105" y="425924"/>
+                  <a:pt x="675861" y="425924"/>
+                </a:cubicBezTo>
+                <a:cubicBezTo>
+                  <a:pt x="715617" y="425924"/>
+                  <a:pt x="784087" y="459054"/>
+                  <a:pt x="821635" y="452428"/>
+                </a:cubicBezTo>
+                <a:cubicBezTo>
+                  <a:pt x="859183" y="445802"/>
+                  <a:pt x="874644" y="390584"/>
+                  <a:pt x="901148" y="386167"/>
+                </a:cubicBezTo>
+                <a:cubicBezTo>
+                  <a:pt x="927652" y="381750"/>
+                  <a:pt x="949739" y="432550"/>
+                  <a:pt x="980661" y="425924"/>
+                </a:cubicBezTo>
+                <a:cubicBezTo>
+                  <a:pt x="1011583" y="419298"/>
+                  <a:pt x="1069009" y="370707"/>
+                  <a:pt x="1086678" y="346411"/>
+                </a:cubicBezTo>
+                <a:cubicBezTo>
+                  <a:pt x="1104347" y="322115"/>
+                  <a:pt x="1082261" y="306654"/>
+                  <a:pt x="1086678" y="280150"/>
+                </a:cubicBezTo>
+                <a:cubicBezTo>
+                  <a:pt x="1091095" y="253646"/>
+                  <a:pt x="1126435" y="211680"/>
+                  <a:pt x="1113183" y="187384"/>
+                </a:cubicBezTo>
+                <a:cubicBezTo>
+                  <a:pt x="1099931" y="163088"/>
+                  <a:pt x="1051339" y="149837"/>
+                  <a:pt x="1007165" y="134376"/>
+                </a:cubicBezTo>
+                <a:cubicBezTo>
+                  <a:pt x="962991" y="118915"/>
+                  <a:pt x="896730" y="112289"/>
+                  <a:pt x="848139" y="94619"/>
+                </a:cubicBezTo>
+                <a:cubicBezTo>
+                  <a:pt x="799548" y="76949"/>
+                  <a:pt x="766418" y="39401"/>
+                  <a:pt x="715618" y="28358"/>
+                </a:cubicBezTo>
+                <a:cubicBezTo>
+                  <a:pt x="664818" y="17314"/>
+                  <a:pt x="574261" y="30567"/>
+                  <a:pt x="543339" y="28358"/>
+                </a:cubicBezTo>
+                <a:cubicBezTo>
+                  <a:pt x="512417" y="26149"/>
+                  <a:pt x="521252" y="20627"/>
+                  <a:pt x="530087" y="15106"/>
+                </a:cubicBezTo>
+              </a:path>
+            </a:pathLst>
+          </a:custGeom>
+          <a:noFill/>
+          <a:ln w="38100">
+            <a:solidFill>
+              <a:srgbClr val="FF0000"/>
+            </a:solidFill>
+          </a:ln>
+        </p:spPr>
+        <p:style>
+          <a:lnRef idx="2">
+            <a:schemeClr val="accent1">
+              <a:shade val="50000"/>
+            </a:schemeClr>
+          </a:lnRef>
+          <a:fillRef idx="1">
+            <a:schemeClr val="accent1"/>
+          </a:fillRef>
+          <a:effectRef idx="0">
+            <a:schemeClr val="accent1"/>
+          </a:effectRef>
+          <a:fontRef idx="minor">
+            <a:schemeClr val="lt1"/>
+          </a:fontRef>
+        </p:style>
+        <p:txBody>
+          <a:bodyPr rtlCol="0" anchor="ctr"/>
+          <a:lstStyle/>
+          <a:p>
+            <a:pPr algn="ctr"/>
+            <a:endParaRPr lang="en-US"/>
+          </a:p>
+        </p:txBody>
+      </p:sp>
+      <p:pic>
+        <p:nvPicPr>
+          <p:cNvPr id="34" name="Picture 33"/>
+          <p:cNvPicPr>
+            <a:picLocks noChangeAspect="1"/>
+          </p:cNvPicPr>
+          <p:nvPr/>
+        </p:nvPicPr>
+        <p:blipFill>
+          <a:blip r:embed="rId2">
+            <a:extLst>
+              <a:ext uri="{28A0092B-C50C-407E-A947-70E740481C1C}">
+                <a14:useLocalDpi xmlns:a14="http://schemas.microsoft.com/office/drawing/2010/main" val="0"/>
+              </a:ext>
+            </a:extLst>
+          </a:blip>
+          <a:stretch>
+            <a:fillRect/>
+          </a:stretch>
+        </p:blipFill>
+        <p:spPr>
+          <a:xfrm>
+            <a:off x="2669" y="95543"/>
+            <a:ext cx="3013939" cy="3013939"/>
+          </a:xfrm>
+          <a:prstGeom prst="rect">
+            <a:avLst/>
+          </a:prstGeom>
+        </p:spPr>
+      </p:pic>
+      <p:cxnSp>
+        <p:nvCxnSpPr>
+          <p:cNvPr id="39" name="Straight Connector 38"/>
+          <p:cNvCxnSpPr/>
+          <p:nvPr/>
+        </p:nvCxnSpPr>
+        <p:spPr>
+          <a:xfrm>
+            <a:off x="3574616" y="64304"/>
+            <a:ext cx="0" cy="6582156"/>
+          </a:xfrm>
+          <a:prstGeom prst="line">
+            <a:avLst/>
+          </a:prstGeom>
+          <a:ln w="38100">
+            <a:solidFill>
+              <a:schemeClr val="accent5">
+                <a:lumMod val="50000"/>
+              </a:schemeClr>
+            </a:solidFill>
+            <a:prstDash val="lgDash"/>
+          </a:ln>
+        </p:spPr>
+        <p:style>
+          <a:lnRef idx="1">
+            <a:schemeClr val="accent1"/>
+          </a:lnRef>
+          <a:fillRef idx="0">
+            <a:schemeClr val="accent1"/>
+          </a:fillRef>
+          <a:effectRef idx="0">
+            <a:schemeClr val="accent1"/>
+          </a:effectRef>
+          <a:fontRef idx="minor">
+            <a:schemeClr val="tx1"/>
+          </a:fontRef>
+        </p:style>
+      </p:cxnSp>
+      <p:sp>
+        <p:nvSpPr>
+          <p:cNvPr id="40" name="TextBox 39"/>
+          <p:cNvSpPr txBox="1"/>
+          <p:nvPr/>
+        </p:nvSpPr>
+        <p:spPr>
+          <a:xfrm>
+            <a:off x="4655328" y="116211"/>
+            <a:ext cx="2663262" cy="400110"/>
+          </a:xfrm>
+          <a:prstGeom prst="rect">
+            <a:avLst/>
+          </a:prstGeom>
+          <a:noFill/>
+        </p:spPr>
+        <p:txBody>
+          <a:bodyPr wrap="square" rtlCol="0">
+            <a:spAutoFit/>
+          </a:bodyPr>
+          <a:lstStyle/>
+          <a:p>
+            <a:pPr algn="ctr"/>
+            <a:r>
+              <a:rPr lang="en-US" sz="2000" b="1" dirty="0" smtClean="0">
+                <a:solidFill>
+                  <a:srgbClr val="00B050"/>
+                </a:solidFill>
+              </a:rPr>
+              <a:t>Web </a:t>
+            </a:r>
+            <a:r>
+              <a:rPr lang="en-US" sz="2000" b="1" dirty="0" smtClean="0">
+                <a:solidFill>
+                  <a:srgbClr val="00B050"/>
+                </a:solidFill>
+              </a:rPr>
+              <a:t>Service Consumer</a:t>
+            </a:r>
+            <a:endParaRPr lang="en-US" sz="2000" b="1" dirty="0">
+              <a:solidFill>
+                <a:srgbClr val="00B050"/>
+              </a:solidFill>
+            </a:endParaRPr>
+          </a:p>
+        </p:txBody>
+      </p:sp>
+      <p:sp>
+        <p:nvSpPr>
+          <p:cNvPr id="41" name="TextBox 40"/>
+          <p:cNvSpPr txBox="1"/>
+          <p:nvPr/>
+        </p:nvSpPr>
+        <p:spPr>
+          <a:xfrm>
+            <a:off x="9236843" y="72761"/>
+            <a:ext cx="2563272" cy="400110"/>
+          </a:xfrm>
+          <a:prstGeom prst="rect">
+            <a:avLst/>
+          </a:prstGeom>
+          <a:noFill/>
+        </p:spPr>
+        <p:txBody>
+          <a:bodyPr wrap="square" rtlCol="0">
+            <a:spAutoFit/>
+          </a:bodyPr>
+          <a:lstStyle/>
+          <a:p>
+            <a:pPr algn="ctr"/>
+            <a:r>
+              <a:rPr lang="en-US" sz="2000" b="1" dirty="0" smtClean="0">
+                <a:solidFill>
+                  <a:srgbClr val="00B050"/>
+                </a:solidFill>
+              </a:rPr>
+              <a:t>Web </a:t>
+            </a:r>
+            <a:r>
+              <a:rPr lang="en-US" sz="2000" b="1" dirty="0" smtClean="0">
+                <a:solidFill>
+                  <a:srgbClr val="00B050"/>
+                </a:solidFill>
+              </a:rPr>
+              <a:t>Service Provider</a:t>
+            </a:r>
+            <a:endParaRPr lang="en-US" sz="2000" b="1" dirty="0">
+              <a:solidFill>
+                <a:srgbClr val="00B050"/>
+              </a:solidFill>
+            </a:endParaRPr>
+          </a:p>
+        </p:txBody>
+      </p:sp>
+      <p:pic>
+        <p:nvPicPr>
+          <p:cNvPr id="45" name="Picture 44"/>
+          <p:cNvPicPr>
+            <a:picLocks noChangeAspect="1"/>
+          </p:cNvPicPr>
+          <p:nvPr/>
+        </p:nvPicPr>
+        <p:blipFill>
+          <a:blip r:embed="rId3">
+            <a:extLst>
+              <a:ext uri="{28A0092B-C50C-407E-A947-70E740481C1C}">
+                <a14:useLocalDpi xmlns:a14="http://schemas.microsoft.com/office/drawing/2010/main" val="0"/>
+              </a:ext>
+            </a:extLst>
+          </a:blip>
+          <a:stretch>
+            <a:fillRect/>
+          </a:stretch>
+        </p:blipFill>
+        <p:spPr>
+          <a:xfrm>
+            <a:off x="4386377" y="516321"/>
+            <a:ext cx="3201164" cy="6182037"/>
+          </a:xfrm>
+          <a:prstGeom prst="rect">
+            <a:avLst/>
+          </a:prstGeom>
+        </p:spPr>
+      </p:pic>
+      <p:sp>
+        <p:nvSpPr>
+          <p:cNvPr id="47" name="Freeform 46"/>
+          <p:cNvSpPr/>
+          <p:nvPr/>
+        </p:nvSpPr>
+        <p:spPr>
+          <a:xfrm>
+            <a:off x="5081050" y="2831598"/>
+            <a:ext cx="1811819" cy="751262"/>
+          </a:xfrm>
+          <a:custGeom>
+            <a:avLst/>
+            <a:gdLst>
+              <a:gd name="connsiteX0" fmla="*/ 622852 w 1116139"/>
+              <a:gd name="connsiteY0" fmla="*/ 41611 h 483432"/>
+              <a:gd name="connsiteX1" fmla="*/ 384313 w 1116139"/>
+              <a:gd name="connsiteY1" fmla="*/ 1854 h 483432"/>
+              <a:gd name="connsiteX2" fmla="*/ 212035 w 1116139"/>
+              <a:gd name="connsiteY2" fmla="*/ 94619 h 483432"/>
+              <a:gd name="connsiteX3" fmla="*/ 92765 w 1116139"/>
+              <a:gd name="connsiteY3" fmla="*/ 147628 h 483432"/>
+              <a:gd name="connsiteX4" fmla="*/ 0 w 1116139"/>
+              <a:gd name="connsiteY4" fmla="*/ 306654 h 483432"/>
+              <a:gd name="connsiteX5" fmla="*/ 92765 w 1116139"/>
+              <a:gd name="connsiteY5" fmla="*/ 346411 h 483432"/>
+              <a:gd name="connsiteX6" fmla="*/ 265044 w 1116139"/>
+              <a:gd name="connsiteY6" fmla="*/ 478932 h 483432"/>
+              <a:gd name="connsiteX7" fmla="*/ 371061 w 1116139"/>
+              <a:gd name="connsiteY7" fmla="*/ 452428 h 483432"/>
+              <a:gd name="connsiteX8" fmla="*/ 583096 w 1116139"/>
+              <a:gd name="connsiteY8" fmla="*/ 452428 h 483432"/>
+              <a:gd name="connsiteX9" fmla="*/ 675861 w 1116139"/>
+              <a:gd name="connsiteY9" fmla="*/ 425924 h 483432"/>
+              <a:gd name="connsiteX10" fmla="*/ 821635 w 1116139"/>
+              <a:gd name="connsiteY10" fmla="*/ 452428 h 483432"/>
+              <a:gd name="connsiteX11" fmla="*/ 901148 w 1116139"/>
+              <a:gd name="connsiteY11" fmla="*/ 386167 h 483432"/>
+              <a:gd name="connsiteX12" fmla="*/ 980661 w 1116139"/>
+              <a:gd name="connsiteY12" fmla="*/ 425924 h 483432"/>
+              <a:gd name="connsiteX13" fmla="*/ 1086678 w 1116139"/>
+              <a:gd name="connsiteY13" fmla="*/ 346411 h 483432"/>
+              <a:gd name="connsiteX14" fmla="*/ 1086678 w 1116139"/>
+              <a:gd name="connsiteY14" fmla="*/ 280150 h 483432"/>
+              <a:gd name="connsiteX15" fmla="*/ 1113183 w 1116139"/>
+              <a:gd name="connsiteY15" fmla="*/ 187384 h 483432"/>
+              <a:gd name="connsiteX16" fmla="*/ 1007165 w 1116139"/>
+              <a:gd name="connsiteY16" fmla="*/ 134376 h 483432"/>
+              <a:gd name="connsiteX17" fmla="*/ 848139 w 1116139"/>
+              <a:gd name="connsiteY17" fmla="*/ 94619 h 483432"/>
+              <a:gd name="connsiteX18" fmla="*/ 715618 w 1116139"/>
+              <a:gd name="connsiteY18" fmla="*/ 28358 h 483432"/>
+              <a:gd name="connsiteX19" fmla="*/ 543339 w 1116139"/>
+              <a:gd name="connsiteY19" fmla="*/ 28358 h 483432"/>
+              <a:gd name="connsiteX20" fmla="*/ 530087 w 1116139"/>
+              <a:gd name="connsiteY20" fmla="*/ 15106 h 483432"/>
+            </a:gdLst>
+            <a:ahLst/>
+            <a:cxnLst>
+              <a:cxn ang="0">
+                <a:pos x="connsiteX0" y="connsiteY0"/>
+              </a:cxn>
+              <a:cxn ang="0">
+                <a:pos x="connsiteX1" y="connsiteY1"/>
+              </a:cxn>
+              <a:cxn ang="0">
+                <a:pos x="connsiteX2" y="connsiteY2"/>
+              </a:cxn>
+              <a:cxn ang="0">
+                <a:pos x="connsiteX3" y="connsiteY3"/>
+              </a:cxn>
+              <a:cxn ang="0">
+                <a:pos x="connsiteX4" y="connsiteY4"/>
+              </a:cxn>
+              <a:cxn ang="0">
+                <a:pos x="connsiteX5" y="connsiteY5"/>
+              </a:cxn>
+              <a:cxn ang="0">
+                <a:pos x="connsiteX6" y="connsiteY6"/>
+              </a:cxn>
+              <a:cxn ang="0">
+                <a:pos x="connsiteX7" y="connsiteY7"/>
+              </a:cxn>
+              <a:cxn ang="0">
+                <a:pos x="connsiteX8" y="connsiteY8"/>
+              </a:cxn>
+              <a:cxn ang="0">
+                <a:pos x="connsiteX9" y="connsiteY9"/>
+              </a:cxn>
+              <a:cxn ang="0">
+                <a:pos x="connsiteX10" y="connsiteY10"/>
+              </a:cxn>
+              <a:cxn ang="0">
+                <a:pos x="connsiteX11" y="connsiteY11"/>
+              </a:cxn>
+              <a:cxn ang="0">
+                <a:pos x="connsiteX12" y="connsiteY12"/>
+              </a:cxn>
+              <a:cxn ang="0">
+                <a:pos x="connsiteX13" y="connsiteY13"/>
+              </a:cxn>
+              <a:cxn ang="0">
+                <a:pos x="connsiteX14" y="connsiteY14"/>
+              </a:cxn>
+              <a:cxn ang="0">
+                <a:pos x="connsiteX15" y="connsiteY15"/>
+              </a:cxn>
+              <a:cxn ang="0">
+                <a:pos x="connsiteX16" y="connsiteY16"/>
+              </a:cxn>
+              <a:cxn ang="0">
+                <a:pos x="connsiteX17" y="connsiteY17"/>
+              </a:cxn>
+              <a:cxn ang="0">
+                <a:pos x="connsiteX18" y="connsiteY18"/>
+              </a:cxn>
+              <a:cxn ang="0">
+                <a:pos x="connsiteX19" y="connsiteY19"/>
+              </a:cxn>
+              <a:cxn ang="0">
+                <a:pos x="connsiteX20" y="connsiteY20"/>
+              </a:cxn>
+            </a:cxnLst>
+            <a:rect l="l" t="t" r="r" b="b"/>
+            <a:pathLst>
+              <a:path w="1116139" h="483432">
+                <a:moveTo>
+                  <a:pt x="622852" y="41611"/>
+                </a:moveTo>
+                <a:cubicBezTo>
+                  <a:pt x="537817" y="17315"/>
+                  <a:pt x="452782" y="-6981"/>
+                  <a:pt x="384313" y="1854"/>
+                </a:cubicBezTo>
+                <a:cubicBezTo>
+                  <a:pt x="315843" y="10689"/>
+                  <a:pt x="260626" y="70323"/>
+                  <a:pt x="212035" y="94619"/>
+                </a:cubicBezTo>
+                <a:cubicBezTo>
+                  <a:pt x="163444" y="118915"/>
+                  <a:pt x="128104" y="112289"/>
+                  <a:pt x="92765" y="147628"/>
+                </a:cubicBezTo>
+                <a:cubicBezTo>
+                  <a:pt x="57426" y="182967"/>
+                  <a:pt x="0" y="273524"/>
+                  <a:pt x="0" y="306654"/>
+                </a:cubicBezTo>
+                <a:cubicBezTo>
+                  <a:pt x="0" y="339784"/>
+                  <a:pt x="48591" y="317698"/>
+                  <a:pt x="92765" y="346411"/>
+                </a:cubicBezTo>
+                <a:cubicBezTo>
+                  <a:pt x="136939" y="375124"/>
+                  <a:pt x="218661" y="461263"/>
+                  <a:pt x="265044" y="478932"/>
+                </a:cubicBezTo>
+                <a:cubicBezTo>
+                  <a:pt x="311427" y="496601"/>
+                  <a:pt x="318052" y="456845"/>
+                  <a:pt x="371061" y="452428"/>
+                </a:cubicBezTo>
+                <a:cubicBezTo>
+                  <a:pt x="424070" y="448011"/>
+                  <a:pt x="532296" y="456845"/>
+                  <a:pt x="583096" y="452428"/>
+                </a:cubicBezTo>
+                <a:cubicBezTo>
+                  <a:pt x="633896" y="448011"/>
+                  <a:pt x="636105" y="425924"/>
+                  <a:pt x="675861" y="425924"/>
+                </a:cubicBezTo>
+                <a:cubicBezTo>
+                  <a:pt x="715617" y="425924"/>
+                  <a:pt x="784087" y="459054"/>
+                  <a:pt x="821635" y="452428"/>
+                </a:cubicBezTo>
+                <a:cubicBezTo>
+                  <a:pt x="859183" y="445802"/>
+                  <a:pt x="874644" y="390584"/>
+                  <a:pt x="901148" y="386167"/>
+                </a:cubicBezTo>
+                <a:cubicBezTo>
+                  <a:pt x="927652" y="381750"/>
+                  <a:pt x="949739" y="432550"/>
+                  <a:pt x="980661" y="425924"/>
+                </a:cubicBezTo>
+                <a:cubicBezTo>
+                  <a:pt x="1011583" y="419298"/>
+                  <a:pt x="1069009" y="370707"/>
+                  <a:pt x="1086678" y="346411"/>
+                </a:cubicBezTo>
+                <a:cubicBezTo>
+                  <a:pt x="1104347" y="322115"/>
+                  <a:pt x="1082261" y="306654"/>
+                  <a:pt x="1086678" y="280150"/>
+                </a:cubicBezTo>
+                <a:cubicBezTo>
+                  <a:pt x="1091095" y="253646"/>
+                  <a:pt x="1126435" y="211680"/>
+                  <a:pt x="1113183" y="187384"/>
+                </a:cubicBezTo>
+                <a:cubicBezTo>
+                  <a:pt x="1099931" y="163088"/>
+                  <a:pt x="1051339" y="149837"/>
+                  <a:pt x="1007165" y="134376"/>
+                </a:cubicBezTo>
+                <a:cubicBezTo>
+                  <a:pt x="962991" y="118915"/>
+                  <a:pt x="896730" y="112289"/>
+                  <a:pt x="848139" y="94619"/>
+                </a:cubicBezTo>
+                <a:cubicBezTo>
+                  <a:pt x="799548" y="76949"/>
+                  <a:pt x="766418" y="39401"/>
+                  <a:pt x="715618" y="28358"/>
+                </a:cubicBezTo>
+                <a:cubicBezTo>
+                  <a:pt x="664818" y="17314"/>
+                  <a:pt x="574261" y="30567"/>
+                  <a:pt x="543339" y="28358"/>
+                </a:cubicBezTo>
+                <a:cubicBezTo>
+                  <a:pt x="512417" y="26149"/>
+                  <a:pt x="521252" y="20627"/>
+                  <a:pt x="530087" y="15106"/>
+                </a:cubicBezTo>
+              </a:path>
+            </a:pathLst>
+          </a:custGeom>
+          <a:solidFill>
+            <a:schemeClr val="bg1"/>
+          </a:solidFill>
+          <a:ln w="38100">
+            <a:solidFill>
+              <a:srgbClr val="FF0000"/>
+            </a:solidFill>
+          </a:ln>
+        </p:spPr>
+        <p:style>
+          <a:lnRef idx="2">
+            <a:schemeClr val="accent1">
+              <a:shade val="50000"/>
+            </a:schemeClr>
+          </a:lnRef>
+          <a:fillRef idx="1">
+            <a:schemeClr val="accent1"/>
+          </a:fillRef>
+          <a:effectRef idx="0">
+            <a:schemeClr val="accent1"/>
+          </a:effectRef>
+          <a:fontRef idx="minor">
+            <a:schemeClr val="lt1"/>
+          </a:fontRef>
+        </p:style>
+        <p:txBody>
+          <a:bodyPr rtlCol="0" anchor="ctr"/>
+          <a:lstStyle/>
+          <a:p>
+            <a:pPr algn="ctr"/>
+            <a:r>
+              <a:rPr lang="en-US" b="1" dirty="0" smtClean="0">
+                <a:solidFill>
+                  <a:schemeClr val="tx1"/>
+                </a:solidFill>
+              </a:rPr>
+              <a:t>myWebApp</a:t>
+            </a:r>
+            <a:endParaRPr lang="en-US" b="1" dirty="0">
+              <a:solidFill>
+                <a:schemeClr val="tx1"/>
+              </a:solidFill>
+            </a:endParaRPr>
+          </a:p>
+        </p:txBody>
+      </p:sp>
+      <p:sp>
+        <p:nvSpPr>
+          <p:cNvPr id="23" name="Isosceles Triangle 22"/>
+          <p:cNvSpPr/>
+          <p:nvPr/>
+        </p:nvSpPr>
+        <p:spPr>
+          <a:xfrm>
+            <a:off x="672753" y="5635727"/>
+            <a:ext cx="1630392" cy="288353"/>
+          </a:xfrm>
+          <a:prstGeom prst="triangle">
+            <a:avLst/>
+          </a:prstGeom>
+          <a:noFill/>
+          <a:ln w="76200"/>
+        </p:spPr>
+        <p:style>
+          <a:lnRef idx="2">
+            <a:schemeClr val="accent1">
+              <a:shade val="50000"/>
+            </a:schemeClr>
+          </a:lnRef>
+          <a:fillRef idx="1">
+            <a:schemeClr val="accent1"/>
+          </a:fillRef>
+          <a:effectRef idx="0">
+            <a:schemeClr val="accent1"/>
+          </a:effectRef>
+          <a:fontRef idx="minor">
+            <a:schemeClr val="lt1"/>
+          </a:fontRef>
+        </p:style>
+        <p:txBody>
+          <a:bodyPr rtlCol="0" anchor="ctr"/>
+          <a:lstStyle/>
+          <a:p>
+            <a:pPr algn="ctr"/>
+            <a:endParaRPr lang="en-US" sz="1801"/>
+          </a:p>
+        </p:txBody>
+      </p:sp>
+      <p:sp>
+        <p:nvSpPr>
+          <p:cNvPr id="24" name="Rectangle 23"/>
+          <p:cNvSpPr/>
+          <p:nvPr/>
+        </p:nvSpPr>
+        <p:spPr>
+          <a:xfrm>
+            <a:off x="697042" y="4472091"/>
+            <a:ext cx="1606103" cy="1153726"/>
+          </a:xfrm>
+          <a:prstGeom prst="rect">
+            <a:avLst/>
+          </a:prstGeom>
+          <a:noFill/>
+          <a:ln w="76200"/>
+        </p:spPr>
+        <p:style>
+          <a:lnRef idx="2">
+            <a:schemeClr val="accent1">
+              <a:shade val="50000"/>
+            </a:schemeClr>
+          </a:lnRef>
+          <a:fillRef idx="1">
+            <a:schemeClr val="accent1"/>
+          </a:fillRef>
+          <a:effectRef idx="0">
+            <a:schemeClr val="accent1"/>
+          </a:effectRef>
+          <a:fontRef idx="minor">
+            <a:schemeClr val="lt1"/>
+          </a:fontRef>
+        </p:style>
+        <p:txBody>
+          <a:bodyPr rtlCol="0" anchor="ctr"/>
+          <a:lstStyle/>
+          <a:p>
+            <a:pPr algn="ctr"/>
+            <a:endParaRPr lang="en-US" sz="1801"/>
+          </a:p>
+        </p:txBody>
+      </p:sp>
+      <p:sp>
+        <p:nvSpPr>
+          <p:cNvPr id="25" name="TextBox 24"/>
+          <p:cNvSpPr txBox="1"/>
+          <p:nvPr/>
+        </p:nvSpPr>
+        <p:spPr>
+          <a:xfrm>
+            <a:off x="1014554" y="4893443"/>
+            <a:ext cx="976614" cy="369460"/>
+          </a:xfrm>
+          <a:prstGeom prst="rect">
+            <a:avLst/>
+          </a:prstGeom>
+          <a:noFill/>
+        </p:spPr>
+        <p:txBody>
+          <a:bodyPr wrap="none" rtlCol="0">
+            <a:spAutoFit/>
+          </a:bodyPr>
+          <a:lstStyle/>
+          <a:p>
+            <a:pPr algn="ctr"/>
+            <a:r>
+              <a:rPr lang="en-US" sz="1801" b="1" dirty="0" smtClean="0"/>
+              <a:t>Browser</a:t>
+            </a:r>
+            <a:endParaRPr lang="en-US" sz="1801" b="1" dirty="0"/>
+          </a:p>
+        </p:txBody>
+      </p:sp>
+      <p:sp>
+        <p:nvSpPr>
+          <p:cNvPr id="27" name="Freeform 26"/>
+          <p:cNvSpPr/>
+          <p:nvPr/>
+        </p:nvSpPr>
+        <p:spPr>
+          <a:xfrm>
+            <a:off x="813937" y="4646126"/>
+            <a:ext cx="1377842" cy="864095"/>
+          </a:xfrm>
+          <a:custGeom>
+            <a:avLst/>
+            <a:gdLst>
+              <a:gd name="connsiteX0" fmla="*/ 622852 w 1116139"/>
+              <a:gd name="connsiteY0" fmla="*/ 41611 h 483432"/>
+              <a:gd name="connsiteX1" fmla="*/ 384313 w 1116139"/>
+              <a:gd name="connsiteY1" fmla="*/ 1854 h 483432"/>
+              <a:gd name="connsiteX2" fmla="*/ 212035 w 1116139"/>
+              <a:gd name="connsiteY2" fmla="*/ 94619 h 483432"/>
+              <a:gd name="connsiteX3" fmla="*/ 92765 w 1116139"/>
+              <a:gd name="connsiteY3" fmla="*/ 147628 h 483432"/>
+              <a:gd name="connsiteX4" fmla="*/ 0 w 1116139"/>
+              <a:gd name="connsiteY4" fmla="*/ 306654 h 483432"/>
+              <a:gd name="connsiteX5" fmla="*/ 92765 w 1116139"/>
+              <a:gd name="connsiteY5" fmla="*/ 346411 h 483432"/>
+              <a:gd name="connsiteX6" fmla="*/ 265044 w 1116139"/>
+              <a:gd name="connsiteY6" fmla="*/ 478932 h 483432"/>
+              <a:gd name="connsiteX7" fmla="*/ 371061 w 1116139"/>
+              <a:gd name="connsiteY7" fmla="*/ 452428 h 483432"/>
+              <a:gd name="connsiteX8" fmla="*/ 583096 w 1116139"/>
+              <a:gd name="connsiteY8" fmla="*/ 452428 h 483432"/>
+              <a:gd name="connsiteX9" fmla="*/ 675861 w 1116139"/>
+              <a:gd name="connsiteY9" fmla="*/ 425924 h 483432"/>
+              <a:gd name="connsiteX10" fmla="*/ 821635 w 1116139"/>
+              <a:gd name="connsiteY10" fmla="*/ 452428 h 483432"/>
+              <a:gd name="connsiteX11" fmla="*/ 901148 w 1116139"/>
+              <a:gd name="connsiteY11" fmla="*/ 386167 h 483432"/>
+              <a:gd name="connsiteX12" fmla="*/ 980661 w 1116139"/>
+              <a:gd name="connsiteY12" fmla="*/ 425924 h 483432"/>
+              <a:gd name="connsiteX13" fmla="*/ 1086678 w 1116139"/>
+              <a:gd name="connsiteY13" fmla="*/ 346411 h 483432"/>
+              <a:gd name="connsiteX14" fmla="*/ 1086678 w 1116139"/>
+              <a:gd name="connsiteY14" fmla="*/ 280150 h 483432"/>
+              <a:gd name="connsiteX15" fmla="*/ 1113183 w 1116139"/>
+              <a:gd name="connsiteY15" fmla="*/ 187384 h 483432"/>
+              <a:gd name="connsiteX16" fmla="*/ 1007165 w 1116139"/>
+              <a:gd name="connsiteY16" fmla="*/ 134376 h 483432"/>
+              <a:gd name="connsiteX17" fmla="*/ 848139 w 1116139"/>
+              <a:gd name="connsiteY17" fmla="*/ 94619 h 483432"/>
+              <a:gd name="connsiteX18" fmla="*/ 715618 w 1116139"/>
+              <a:gd name="connsiteY18" fmla="*/ 28358 h 483432"/>
+              <a:gd name="connsiteX19" fmla="*/ 543339 w 1116139"/>
+              <a:gd name="connsiteY19" fmla="*/ 28358 h 483432"/>
+              <a:gd name="connsiteX20" fmla="*/ 530087 w 1116139"/>
+              <a:gd name="connsiteY20" fmla="*/ 15106 h 483432"/>
+            </a:gdLst>
+            <a:ahLst/>
+            <a:cxnLst>
+              <a:cxn ang="0">
+                <a:pos x="connsiteX0" y="connsiteY0"/>
+              </a:cxn>
+              <a:cxn ang="0">
+                <a:pos x="connsiteX1" y="connsiteY1"/>
+              </a:cxn>
+              <a:cxn ang="0">
+                <a:pos x="connsiteX2" y="connsiteY2"/>
+              </a:cxn>
+              <a:cxn ang="0">
+                <a:pos x="connsiteX3" y="connsiteY3"/>
+              </a:cxn>
+              <a:cxn ang="0">
+                <a:pos x="connsiteX4" y="connsiteY4"/>
+              </a:cxn>
+              <a:cxn ang="0">
+                <a:pos x="connsiteX5" y="connsiteY5"/>
+              </a:cxn>
+              <a:cxn ang="0">
+                <a:pos x="connsiteX6" y="connsiteY6"/>
+              </a:cxn>
+              <a:cxn ang="0">
+                <a:pos x="connsiteX7" y="connsiteY7"/>
+              </a:cxn>
+              <a:cxn ang="0">
+                <a:pos x="connsiteX8" y="connsiteY8"/>
+              </a:cxn>
+              <a:cxn ang="0">
+                <a:pos x="connsiteX9" y="connsiteY9"/>
+              </a:cxn>
+              <a:cxn ang="0">
+                <a:pos x="connsiteX10" y="connsiteY10"/>
+              </a:cxn>
+              <a:cxn ang="0">
+                <a:pos x="connsiteX11" y="connsiteY11"/>
+              </a:cxn>
+              <a:cxn ang="0">
+                <a:pos x="connsiteX12" y="connsiteY12"/>
+              </a:cxn>
+              <a:cxn ang="0">
+                <a:pos x="connsiteX13" y="connsiteY13"/>
+              </a:cxn>
+              <a:cxn ang="0">
+                <a:pos x="connsiteX14" y="connsiteY14"/>
+              </a:cxn>
+              <a:cxn ang="0">
+                <a:pos x="connsiteX15" y="connsiteY15"/>
+              </a:cxn>
+              <a:cxn ang="0">
+                <a:pos x="connsiteX16" y="connsiteY16"/>
+              </a:cxn>
+              <a:cxn ang="0">
+                <a:pos x="connsiteX17" y="connsiteY17"/>
+              </a:cxn>
+              <a:cxn ang="0">
+                <a:pos x="connsiteX18" y="connsiteY18"/>
+              </a:cxn>
+              <a:cxn ang="0">
+                <a:pos x="connsiteX19" y="connsiteY19"/>
+              </a:cxn>
+              <a:cxn ang="0">
+                <a:pos x="connsiteX20" y="connsiteY20"/>
+              </a:cxn>
+            </a:cxnLst>
+            <a:rect l="l" t="t" r="r" b="b"/>
+            <a:pathLst>
+              <a:path w="1116139" h="483432">
+                <a:moveTo>
+                  <a:pt x="622852" y="41611"/>
+                </a:moveTo>
+                <a:cubicBezTo>
+                  <a:pt x="537817" y="17315"/>
+                  <a:pt x="452782" y="-6981"/>
+                  <a:pt x="384313" y="1854"/>
+                </a:cubicBezTo>
+                <a:cubicBezTo>
+                  <a:pt x="315843" y="10689"/>
+                  <a:pt x="260626" y="70323"/>
+                  <a:pt x="212035" y="94619"/>
+                </a:cubicBezTo>
+                <a:cubicBezTo>
+                  <a:pt x="163444" y="118915"/>
+                  <a:pt x="128104" y="112289"/>
+                  <a:pt x="92765" y="147628"/>
+                </a:cubicBezTo>
+                <a:cubicBezTo>
+                  <a:pt x="57426" y="182967"/>
+                  <a:pt x="0" y="273524"/>
+                  <a:pt x="0" y="306654"/>
+                </a:cubicBezTo>
+                <a:cubicBezTo>
+                  <a:pt x="0" y="339784"/>
+                  <a:pt x="48591" y="317698"/>
+                  <a:pt x="92765" y="346411"/>
+                </a:cubicBezTo>
+                <a:cubicBezTo>
+                  <a:pt x="136939" y="375124"/>
+                  <a:pt x="218661" y="461263"/>
+                  <a:pt x="265044" y="478932"/>
+                </a:cubicBezTo>
+                <a:cubicBezTo>
+                  <a:pt x="311427" y="496601"/>
+                  <a:pt x="318052" y="456845"/>
+                  <a:pt x="371061" y="452428"/>
+                </a:cubicBezTo>
+                <a:cubicBezTo>
+                  <a:pt x="424070" y="448011"/>
+                  <a:pt x="532296" y="456845"/>
+                  <a:pt x="583096" y="452428"/>
+                </a:cubicBezTo>
+                <a:cubicBezTo>
+                  <a:pt x="633896" y="448011"/>
+                  <a:pt x="636105" y="425924"/>
+                  <a:pt x="675861" y="425924"/>
+                </a:cubicBezTo>
+                <a:cubicBezTo>
+                  <a:pt x="715617" y="425924"/>
+                  <a:pt x="784087" y="459054"/>
+                  <a:pt x="821635" y="452428"/>
+                </a:cubicBezTo>
+                <a:cubicBezTo>
+                  <a:pt x="859183" y="445802"/>
+                  <a:pt x="874644" y="390584"/>
+                  <a:pt x="901148" y="386167"/>
+                </a:cubicBezTo>
+                <a:cubicBezTo>
+                  <a:pt x="927652" y="381750"/>
+                  <a:pt x="949739" y="432550"/>
+                  <a:pt x="980661" y="425924"/>
+                </a:cubicBezTo>
+                <a:cubicBezTo>
+                  <a:pt x="1011583" y="419298"/>
+                  <a:pt x="1069009" y="370707"/>
+                  <a:pt x="1086678" y="346411"/>
+                </a:cubicBezTo>
+                <a:cubicBezTo>
+                  <a:pt x="1104347" y="322115"/>
+                  <a:pt x="1082261" y="306654"/>
+                  <a:pt x="1086678" y="280150"/>
+                </a:cubicBezTo>
+                <a:cubicBezTo>
+                  <a:pt x="1091095" y="253646"/>
+                  <a:pt x="1126435" y="211680"/>
+                  <a:pt x="1113183" y="187384"/>
+                </a:cubicBezTo>
+                <a:cubicBezTo>
+                  <a:pt x="1099931" y="163088"/>
+                  <a:pt x="1051339" y="149837"/>
+                  <a:pt x="1007165" y="134376"/>
+                </a:cubicBezTo>
+                <a:cubicBezTo>
+                  <a:pt x="962991" y="118915"/>
+                  <a:pt x="896730" y="112289"/>
+                  <a:pt x="848139" y="94619"/>
+                </a:cubicBezTo>
+                <a:cubicBezTo>
+                  <a:pt x="799548" y="76949"/>
+                  <a:pt x="766418" y="39401"/>
+                  <a:pt x="715618" y="28358"/>
+                </a:cubicBezTo>
+                <a:cubicBezTo>
+                  <a:pt x="664818" y="17314"/>
+                  <a:pt x="574261" y="30567"/>
+                  <a:pt x="543339" y="28358"/>
+                </a:cubicBezTo>
+                <a:cubicBezTo>
+                  <a:pt x="512417" y="26149"/>
+                  <a:pt x="521252" y="20627"/>
+                  <a:pt x="530087" y="15106"/>
+                </a:cubicBezTo>
+              </a:path>
+            </a:pathLst>
+          </a:custGeom>
+          <a:noFill/>
+          <a:ln w="38100">
+            <a:solidFill>
+              <a:srgbClr val="FF0000"/>
+            </a:solidFill>
+          </a:ln>
+        </p:spPr>
+        <p:style>
+          <a:lnRef idx="2">
+            <a:schemeClr val="accent1">
+              <a:shade val="50000"/>
+            </a:schemeClr>
+          </a:lnRef>
+          <a:fillRef idx="1">
+            <a:schemeClr val="accent1"/>
+          </a:fillRef>
+          <a:effectRef idx="0">
+            <a:schemeClr val="accent1"/>
+          </a:effectRef>
+          <a:fontRef idx="minor">
+            <a:schemeClr val="lt1"/>
+          </a:fontRef>
+        </p:style>
+        <p:txBody>
+          <a:bodyPr rtlCol="0" anchor="ctr"/>
+          <a:lstStyle/>
+          <a:p>
+            <a:pPr algn="ctr"/>
+            <a:endParaRPr lang="en-US"/>
+          </a:p>
+        </p:txBody>
+      </p:sp>
+      <p:cxnSp>
+        <p:nvCxnSpPr>
+          <p:cNvPr id="29" name="Straight Arrow Connector 28"/>
+          <p:cNvCxnSpPr>
+            <a:endCxn id="45" idx="1"/>
+          </p:cNvCxnSpPr>
+          <p:nvPr/>
+        </p:nvCxnSpPr>
+        <p:spPr>
+          <a:xfrm flipV="1">
+            <a:off x="2461579" y="3607340"/>
+            <a:ext cx="1924798" cy="1428304"/>
+          </a:xfrm>
+          <a:prstGeom prst="straightConnector1">
+            <a:avLst/>
+          </a:prstGeom>
+          <a:ln w="38100">
+            <a:headEnd type="triangle"/>
+            <a:tailEnd type="triangle"/>
+          </a:ln>
+        </p:spPr>
+        <p:style>
+          <a:lnRef idx="3">
+            <a:schemeClr val="accent1"/>
+          </a:lnRef>
+          <a:fillRef idx="0">
+            <a:schemeClr val="accent1"/>
+          </a:fillRef>
+          <a:effectRef idx="2">
+            <a:schemeClr val="accent1"/>
+          </a:effectRef>
+          <a:fontRef idx="minor">
+            <a:schemeClr val="tx1"/>
+          </a:fontRef>
+        </p:style>
+      </p:cxnSp>
+      <p:sp>
+        <p:nvSpPr>
+          <p:cNvPr id="7" name="TextBox 6"/>
+          <p:cNvSpPr txBox="1"/>
+          <p:nvPr/>
+        </p:nvSpPr>
+        <p:spPr>
+          <a:xfrm>
+            <a:off x="508531" y="3162564"/>
+            <a:ext cx="2002215" cy="369332"/>
+          </a:xfrm>
+          <a:prstGeom prst="rect">
+            <a:avLst/>
+          </a:prstGeom>
+          <a:noFill/>
+        </p:spPr>
+        <p:txBody>
+          <a:bodyPr wrap="none" rtlCol="0">
+            <a:spAutoFit/>
+          </a:bodyPr>
+          <a:lstStyle/>
+          <a:p>
+            <a:pPr algn="ctr"/>
+            <a:r>
+              <a:rPr lang="en-US" b="1" dirty="0" smtClean="0">
+                <a:solidFill>
+                  <a:schemeClr val="tx1">
+                    <a:lumMod val="95000"/>
+                    <a:lumOff val="5000"/>
+                  </a:schemeClr>
+                </a:solidFill>
+              </a:rPr>
+              <a:t>Mobile Application</a:t>
+            </a:r>
+            <a:endParaRPr lang="en-IN" b="1" dirty="0">
+              <a:solidFill>
+                <a:schemeClr val="tx1">
+                  <a:lumMod val="95000"/>
+                  <a:lumOff val="5000"/>
+                </a:schemeClr>
+              </a:solidFill>
+            </a:endParaRPr>
+          </a:p>
+        </p:txBody>
+      </p:sp>
+      <p:sp>
+        <p:nvSpPr>
+          <p:cNvPr id="33" name="TextBox 32"/>
+          <p:cNvSpPr txBox="1"/>
+          <p:nvPr/>
+        </p:nvSpPr>
+        <p:spPr>
+          <a:xfrm>
+            <a:off x="453325" y="6113582"/>
+            <a:ext cx="2112631" cy="369332"/>
+          </a:xfrm>
+          <a:prstGeom prst="rect">
+            <a:avLst/>
+          </a:prstGeom>
+          <a:noFill/>
+        </p:spPr>
+        <p:txBody>
+          <a:bodyPr wrap="none" rtlCol="0">
+            <a:spAutoFit/>
+          </a:bodyPr>
+          <a:lstStyle/>
+          <a:p>
+            <a:pPr algn="ctr"/>
+            <a:r>
+              <a:rPr lang="en-US" b="1" dirty="0" smtClean="0">
+                <a:solidFill>
+                  <a:schemeClr val="tx1">
+                    <a:lumMod val="95000"/>
+                    <a:lumOff val="5000"/>
+                  </a:schemeClr>
+                </a:solidFill>
+              </a:rPr>
+              <a:t>Desktop Application</a:t>
+            </a:r>
+            <a:endParaRPr lang="en-IN" b="1" dirty="0">
+              <a:solidFill>
+                <a:schemeClr val="tx1">
+                  <a:lumMod val="95000"/>
+                  <a:lumOff val="5000"/>
+                </a:schemeClr>
+              </a:solidFill>
+            </a:endParaRPr>
+          </a:p>
+        </p:txBody>
+      </p:sp>
+      <p:pic>
+        <p:nvPicPr>
+          <p:cNvPr id="20" name="Picture 19"/>
+          <p:cNvPicPr>
+            <a:picLocks noChangeAspect="1"/>
+          </p:cNvPicPr>
+          <p:nvPr/>
+        </p:nvPicPr>
+        <p:blipFill>
+          <a:blip r:embed="rId3">
+            <a:extLst>
+              <a:ext uri="{28A0092B-C50C-407E-A947-70E740481C1C}">
+                <a14:useLocalDpi xmlns:a14="http://schemas.microsoft.com/office/drawing/2010/main" val="0"/>
+              </a:ext>
+            </a:extLst>
+          </a:blip>
+          <a:stretch>
+            <a:fillRect/>
+          </a:stretch>
+        </p:blipFill>
+        <p:spPr>
+          <a:xfrm>
+            <a:off x="8917897" y="440877"/>
+            <a:ext cx="3201164" cy="6182037"/>
+          </a:xfrm>
+          <a:prstGeom prst="rect">
+            <a:avLst/>
+          </a:prstGeom>
+        </p:spPr>
+      </p:pic>
+      <p:sp>
+        <p:nvSpPr>
+          <p:cNvPr id="28" name="Freeform 27"/>
+          <p:cNvSpPr/>
+          <p:nvPr/>
+        </p:nvSpPr>
+        <p:spPr>
+          <a:xfrm>
+            <a:off x="9541592" y="2831598"/>
+            <a:ext cx="1811819" cy="751262"/>
+          </a:xfrm>
+          <a:custGeom>
+            <a:avLst/>
+            <a:gdLst>
+              <a:gd name="connsiteX0" fmla="*/ 622852 w 1116139"/>
+              <a:gd name="connsiteY0" fmla="*/ 41611 h 483432"/>
+              <a:gd name="connsiteX1" fmla="*/ 384313 w 1116139"/>
+              <a:gd name="connsiteY1" fmla="*/ 1854 h 483432"/>
+              <a:gd name="connsiteX2" fmla="*/ 212035 w 1116139"/>
+              <a:gd name="connsiteY2" fmla="*/ 94619 h 483432"/>
+              <a:gd name="connsiteX3" fmla="*/ 92765 w 1116139"/>
+              <a:gd name="connsiteY3" fmla="*/ 147628 h 483432"/>
+              <a:gd name="connsiteX4" fmla="*/ 0 w 1116139"/>
+              <a:gd name="connsiteY4" fmla="*/ 306654 h 483432"/>
+              <a:gd name="connsiteX5" fmla="*/ 92765 w 1116139"/>
+              <a:gd name="connsiteY5" fmla="*/ 346411 h 483432"/>
+              <a:gd name="connsiteX6" fmla="*/ 265044 w 1116139"/>
+              <a:gd name="connsiteY6" fmla="*/ 478932 h 483432"/>
+              <a:gd name="connsiteX7" fmla="*/ 371061 w 1116139"/>
+              <a:gd name="connsiteY7" fmla="*/ 452428 h 483432"/>
+              <a:gd name="connsiteX8" fmla="*/ 583096 w 1116139"/>
+              <a:gd name="connsiteY8" fmla="*/ 452428 h 483432"/>
+              <a:gd name="connsiteX9" fmla="*/ 675861 w 1116139"/>
+              <a:gd name="connsiteY9" fmla="*/ 425924 h 483432"/>
+              <a:gd name="connsiteX10" fmla="*/ 821635 w 1116139"/>
+              <a:gd name="connsiteY10" fmla="*/ 452428 h 483432"/>
+              <a:gd name="connsiteX11" fmla="*/ 901148 w 1116139"/>
+              <a:gd name="connsiteY11" fmla="*/ 386167 h 483432"/>
+              <a:gd name="connsiteX12" fmla="*/ 980661 w 1116139"/>
+              <a:gd name="connsiteY12" fmla="*/ 425924 h 483432"/>
+              <a:gd name="connsiteX13" fmla="*/ 1086678 w 1116139"/>
+              <a:gd name="connsiteY13" fmla="*/ 346411 h 483432"/>
+              <a:gd name="connsiteX14" fmla="*/ 1086678 w 1116139"/>
+              <a:gd name="connsiteY14" fmla="*/ 280150 h 483432"/>
+              <a:gd name="connsiteX15" fmla="*/ 1113183 w 1116139"/>
+              <a:gd name="connsiteY15" fmla="*/ 187384 h 483432"/>
+              <a:gd name="connsiteX16" fmla="*/ 1007165 w 1116139"/>
+              <a:gd name="connsiteY16" fmla="*/ 134376 h 483432"/>
+              <a:gd name="connsiteX17" fmla="*/ 848139 w 1116139"/>
+              <a:gd name="connsiteY17" fmla="*/ 94619 h 483432"/>
+              <a:gd name="connsiteX18" fmla="*/ 715618 w 1116139"/>
+              <a:gd name="connsiteY18" fmla="*/ 28358 h 483432"/>
+              <a:gd name="connsiteX19" fmla="*/ 543339 w 1116139"/>
+              <a:gd name="connsiteY19" fmla="*/ 28358 h 483432"/>
+              <a:gd name="connsiteX20" fmla="*/ 530087 w 1116139"/>
+              <a:gd name="connsiteY20" fmla="*/ 15106 h 483432"/>
+            </a:gdLst>
+            <a:ahLst/>
+            <a:cxnLst>
+              <a:cxn ang="0">
+                <a:pos x="connsiteX0" y="connsiteY0"/>
+              </a:cxn>
+              <a:cxn ang="0">
+                <a:pos x="connsiteX1" y="connsiteY1"/>
+              </a:cxn>
+              <a:cxn ang="0">
+                <a:pos x="connsiteX2" y="connsiteY2"/>
+              </a:cxn>
+              <a:cxn ang="0">
+                <a:pos x="connsiteX3" y="connsiteY3"/>
+              </a:cxn>
+              <a:cxn ang="0">
+                <a:pos x="connsiteX4" y="connsiteY4"/>
+              </a:cxn>
+              <a:cxn ang="0">
+                <a:pos x="connsiteX5" y="connsiteY5"/>
+              </a:cxn>
+              <a:cxn ang="0">
+                <a:pos x="connsiteX6" y="connsiteY6"/>
+              </a:cxn>
+              <a:cxn ang="0">
+                <a:pos x="connsiteX7" y="connsiteY7"/>
+              </a:cxn>
+              <a:cxn ang="0">
+                <a:pos x="connsiteX8" y="connsiteY8"/>
+              </a:cxn>
+              <a:cxn ang="0">
+                <a:pos x="connsiteX9" y="connsiteY9"/>
+              </a:cxn>
+              <a:cxn ang="0">
+                <a:pos x="connsiteX10" y="connsiteY10"/>
+              </a:cxn>
+              <a:cxn ang="0">
+                <a:pos x="connsiteX11" y="connsiteY11"/>
+              </a:cxn>
+              <a:cxn ang="0">
+                <a:pos x="connsiteX12" y="connsiteY12"/>
+              </a:cxn>
+              <a:cxn ang="0">
+                <a:pos x="connsiteX13" y="connsiteY13"/>
+              </a:cxn>
+              <a:cxn ang="0">
+                <a:pos x="connsiteX14" y="connsiteY14"/>
+              </a:cxn>
+              <a:cxn ang="0">
+                <a:pos x="connsiteX15" y="connsiteY15"/>
+              </a:cxn>
+              <a:cxn ang="0">
+                <a:pos x="connsiteX16" y="connsiteY16"/>
+              </a:cxn>
+              <a:cxn ang="0">
+                <a:pos x="connsiteX17" y="connsiteY17"/>
+              </a:cxn>
+              <a:cxn ang="0">
+                <a:pos x="connsiteX18" y="connsiteY18"/>
+              </a:cxn>
+              <a:cxn ang="0">
+                <a:pos x="connsiteX19" y="connsiteY19"/>
+              </a:cxn>
+              <a:cxn ang="0">
+                <a:pos x="connsiteX20" y="connsiteY20"/>
+              </a:cxn>
+            </a:cxnLst>
+            <a:rect l="l" t="t" r="r" b="b"/>
+            <a:pathLst>
+              <a:path w="1116139" h="483432">
+                <a:moveTo>
+                  <a:pt x="622852" y="41611"/>
+                </a:moveTo>
+                <a:cubicBezTo>
+                  <a:pt x="537817" y="17315"/>
+                  <a:pt x="452782" y="-6981"/>
+                  <a:pt x="384313" y="1854"/>
+                </a:cubicBezTo>
+                <a:cubicBezTo>
+                  <a:pt x="315843" y="10689"/>
+                  <a:pt x="260626" y="70323"/>
+                  <a:pt x="212035" y="94619"/>
+                </a:cubicBezTo>
+                <a:cubicBezTo>
+                  <a:pt x="163444" y="118915"/>
+                  <a:pt x="128104" y="112289"/>
+                  <a:pt x="92765" y="147628"/>
+                </a:cubicBezTo>
+                <a:cubicBezTo>
+                  <a:pt x="57426" y="182967"/>
+                  <a:pt x="0" y="273524"/>
+                  <a:pt x="0" y="306654"/>
+                </a:cubicBezTo>
+                <a:cubicBezTo>
+                  <a:pt x="0" y="339784"/>
+                  <a:pt x="48591" y="317698"/>
+                  <a:pt x="92765" y="346411"/>
+                </a:cubicBezTo>
+                <a:cubicBezTo>
+                  <a:pt x="136939" y="375124"/>
+                  <a:pt x="218661" y="461263"/>
+                  <a:pt x="265044" y="478932"/>
+                </a:cubicBezTo>
+                <a:cubicBezTo>
+                  <a:pt x="311427" y="496601"/>
+                  <a:pt x="318052" y="456845"/>
+                  <a:pt x="371061" y="452428"/>
+                </a:cubicBezTo>
+                <a:cubicBezTo>
+                  <a:pt x="424070" y="448011"/>
+                  <a:pt x="532296" y="456845"/>
+                  <a:pt x="583096" y="452428"/>
+                </a:cubicBezTo>
+                <a:cubicBezTo>
+                  <a:pt x="633896" y="448011"/>
+                  <a:pt x="636105" y="425924"/>
+                  <a:pt x="675861" y="425924"/>
+                </a:cubicBezTo>
+                <a:cubicBezTo>
+                  <a:pt x="715617" y="425924"/>
+                  <a:pt x="784087" y="459054"/>
+                  <a:pt x="821635" y="452428"/>
+                </a:cubicBezTo>
+                <a:cubicBezTo>
+                  <a:pt x="859183" y="445802"/>
+                  <a:pt x="874644" y="390584"/>
+                  <a:pt x="901148" y="386167"/>
+                </a:cubicBezTo>
+                <a:cubicBezTo>
+                  <a:pt x="927652" y="381750"/>
+                  <a:pt x="949739" y="432550"/>
+                  <a:pt x="980661" y="425924"/>
+                </a:cubicBezTo>
+                <a:cubicBezTo>
+                  <a:pt x="1011583" y="419298"/>
+                  <a:pt x="1069009" y="370707"/>
+                  <a:pt x="1086678" y="346411"/>
+                </a:cubicBezTo>
+                <a:cubicBezTo>
+                  <a:pt x="1104347" y="322115"/>
+                  <a:pt x="1082261" y="306654"/>
+                  <a:pt x="1086678" y="280150"/>
+                </a:cubicBezTo>
+                <a:cubicBezTo>
+                  <a:pt x="1091095" y="253646"/>
+                  <a:pt x="1126435" y="211680"/>
+                  <a:pt x="1113183" y="187384"/>
+                </a:cubicBezTo>
+                <a:cubicBezTo>
+                  <a:pt x="1099931" y="163088"/>
+                  <a:pt x="1051339" y="149837"/>
+                  <a:pt x="1007165" y="134376"/>
+                </a:cubicBezTo>
+                <a:cubicBezTo>
+                  <a:pt x="962991" y="118915"/>
+                  <a:pt x="896730" y="112289"/>
+                  <a:pt x="848139" y="94619"/>
+                </a:cubicBezTo>
+                <a:cubicBezTo>
+                  <a:pt x="799548" y="76949"/>
+                  <a:pt x="766418" y="39401"/>
+                  <a:pt x="715618" y="28358"/>
+                </a:cubicBezTo>
+                <a:cubicBezTo>
+                  <a:pt x="664818" y="17314"/>
+                  <a:pt x="574261" y="30567"/>
+                  <a:pt x="543339" y="28358"/>
+                </a:cubicBezTo>
+                <a:cubicBezTo>
+                  <a:pt x="512417" y="26149"/>
+                  <a:pt x="521252" y="20627"/>
+                  <a:pt x="530087" y="15106"/>
+                </a:cubicBezTo>
+              </a:path>
+            </a:pathLst>
+          </a:custGeom>
+          <a:solidFill>
+            <a:schemeClr val="bg1"/>
+          </a:solidFill>
+          <a:ln w="38100">
+            <a:solidFill>
+              <a:srgbClr val="FF0000"/>
+            </a:solidFill>
+          </a:ln>
+        </p:spPr>
+        <p:style>
+          <a:lnRef idx="2">
+            <a:schemeClr val="accent1">
+              <a:shade val="50000"/>
+            </a:schemeClr>
+          </a:lnRef>
+          <a:fillRef idx="1">
+            <a:schemeClr val="accent1"/>
+          </a:fillRef>
+          <a:effectRef idx="0">
+            <a:schemeClr val="accent1"/>
+          </a:effectRef>
+          <a:fontRef idx="minor">
+            <a:schemeClr val="lt1"/>
+          </a:fontRef>
+        </p:style>
+        <p:txBody>
+          <a:bodyPr rtlCol="0" anchor="ctr"/>
+          <a:lstStyle/>
+          <a:p>
+            <a:pPr algn="ctr"/>
+            <a:r>
+              <a:rPr lang="en-US" b="1" dirty="0">
+                <a:solidFill>
+                  <a:schemeClr val="tx1"/>
+                </a:solidFill>
+              </a:rPr>
+              <a:t>G</a:t>
+            </a:r>
+            <a:r>
+              <a:rPr lang="en-US" b="1" dirty="0" smtClean="0">
+                <a:solidFill>
+                  <a:schemeClr val="tx1"/>
+                </a:solidFill>
+              </a:rPr>
+              <a:t>oogleMaps</a:t>
+            </a:r>
+            <a:endParaRPr lang="en-US" b="1" dirty="0">
+              <a:solidFill>
+                <a:schemeClr val="tx1"/>
+              </a:solidFill>
+            </a:endParaRPr>
+          </a:p>
+        </p:txBody>
+      </p:sp>
+      <p:cxnSp>
+        <p:nvCxnSpPr>
+          <p:cNvPr id="35" name="Straight Connector 34"/>
+          <p:cNvCxnSpPr/>
+          <p:nvPr/>
+        </p:nvCxnSpPr>
+        <p:spPr>
+          <a:xfrm>
+            <a:off x="8153873" y="40758"/>
+            <a:ext cx="0" cy="6582156"/>
+          </a:xfrm>
+          <a:prstGeom prst="line">
+            <a:avLst/>
+          </a:prstGeom>
+          <a:ln w="38100">
+            <a:solidFill>
+              <a:schemeClr val="accent5">
+                <a:lumMod val="50000"/>
+              </a:schemeClr>
+            </a:solidFill>
+            <a:prstDash val="lgDash"/>
+          </a:ln>
+        </p:spPr>
+        <p:style>
+          <a:lnRef idx="1">
+            <a:schemeClr val="accent1"/>
+          </a:lnRef>
+          <a:fillRef idx="0">
+            <a:schemeClr val="accent1"/>
+          </a:fillRef>
+          <a:effectRef idx="0">
+            <a:schemeClr val="accent1"/>
+          </a:effectRef>
+          <a:fontRef idx="minor">
+            <a:schemeClr val="tx1"/>
+          </a:fontRef>
+        </p:style>
+      </p:cxnSp>
+      <p:sp>
+        <p:nvSpPr>
+          <p:cNvPr id="13" name="Left-Right Arrow 12"/>
+          <p:cNvSpPr/>
+          <p:nvPr/>
+        </p:nvSpPr>
+        <p:spPr>
+          <a:xfrm>
+            <a:off x="7318590" y="3109482"/>
+            <a:ext cx="1918253" cy="222353"/>
+          </a:xfrm>
+          <a:prstGeom prst="leftRightArrow">
+            <a:avLst/>
+          </a:prstGeom>
+          <a:solidFill>
+            <a:srgbClr val="00B050"/>
+          </a:solidFill>
+        </p:spPr>
+        <p:style>
+          <a:lnRef idx="2">
+            <a:schemeClr val="accent1">
+              <a:shade val="50000"/>
+            </a:schemeClr>
+          </a:lnRef>
+          <a:fillRef idx="1">
+            <a:schemeClr val="accent1"/>
+          </a:fillRef>
+          <a:effectRef idx="0">
+            <a:schemeClr val="accent1"/>
+          </a:effectRef>
+          <a:fontRef idx="minor">
+            <a:schemeClr val="lt1"/>
+          </a:fontRef>
+        </p:style>
+        <p:txBody>
+          <a:bodyPr rtlCol="0" anchor="ctr"/>
+          <a:lstStyle/>
+          <a:p>
+            <a:pPr algn="ctr"/>
+            <a:endParaRPr lang="en-IN"/>
+          </a:p>
+        </p:txBody>
+      </p:sp>
+    </p:spTree>
+    <p:extLst>
+      <p:ext uri="{BB962C8B-B14F-4D97-AF65-F5344CB8AC3E}">
+        <p14:creationId xmlns:p14="http://schemas.microsoft.com/office/powerpoint/2010/main" val="1157756177"/>
+      </p:ext>
+    </p:extLst>
+  </p:cSld>
+  <p:clrMapOvr>
+    <a:masterClrMapping/>
+  </p:clrMapOvr>
+  <p:timing>
+    <p:tnLst>
+      <p:par>
+        <p:cTn id="1" dur="indefinite" restart="never" nodeType="tmRoot"/>
+      </p:par>
+    </p:tnLst>
+  </p:timing>
+</p:sld>
+</file>
+
+<file path=ppt/slides/slide4.xml><?xml version="1.0" encoding="utf-8"?>
+<p:sld xmlns:a="http://schemas.openxmlformats.org/drawingml/2006/main" xmlns:r="http://schemas.openxmlformats.org/officeDocument/2006/relationships" xmlns:p="http://schemas.openxmlformats.org/presentationml/2006/main">
+  <p:cSld>
+    <p:spTree>
+      <p:nvGrpSpPr>
+        <p:cNvPr id="1" name=""/>
+        <p:cNvGrpSpPr/>
+        <p:nvPr/>
+      </p:nvGrpSpPr>
+      <p:grpSpPr>
+        <a:xfrm>
+          <a:off x="0" y="0"/>
+          <a:ext cx="0" cy="0"/>
+          <a:chOff x="0" y="0"/>
+          <a:chExt cx="0" cy="0"/>
+        </a:xfrm>
+      </p:grpSpPr>
+      <p:cxnSp>
+        <p:nvCxnSpPr>
+          <p:cNvPr id="26" name="Straight Arrow Connector 25"/>
+          <p:cNvCxnSpPr/>
+          <p:nvPr/>
+        </p:nvCxnSpPr>
+        <p:spPr>
+          <a:xfrm>
+            <a:off x="2503049" y="1558042"/>
+            <a:ext cx="3929803" cy="1117978"/>
+          </a:xfrm>
+          <a:prstGeom prst="straightConnector1">
+            <a:avLst/>
+          </a:prstGeom>
+          <a:ln w="38100">
+            <a:headEnd type="triangle"/>
+            <a:tailEnd type="triangle"/>
+          </a:ln>
+        </p:spPr>
+        <p:style>
+          <a:lnRef idx="3">
+            <a:schemeClr val="accent1"/>
+          </a:lnRef>
+          <a:fillRef idx="0">
+            <a:schemeClr val="accent1"/>
+          </a:fillRef>
+          <a:effectRef idx="2">
+            <a:schemeClr val="accent1"/>
+          </a:effectRef>
+          <a:fontRef idx="minor">
+            <a:schemeClr val="tx1"/>
+          </a:fontRef>
+        </p:style>
+      </p:cxnSp>
+      <p:sp>
+        <p:nvSpPr>
+          <p:cNvPr id="31" name="TextBox 30"/>
+          <p:cNvSpPr txBox="1"/>
+          <p:nvPr/>
+        </p:nvSpPr>
+        <p:spPr>
+          <a:xfrm>
+            <a:off x="1021332" y="1113531"/>
+            <a:ext cx="976614" cy="369460"/>
+          </a:xfrm>
+          <a:prstGeom prst="rect">
+            <a:avLst/>
+          </a:prstGeom>
+          <a:noFill/>
+        </p:spPr>
+        <p:txBody>
+          <a:bodyPr wrap="none" rtlCol="0">
+            <a:spAutoFit/>
+          </a:bodyPr>
+          <a:lstStyle/>
+          <a:p>
+            <a:pPr algn="ctr"/>
+            <a:r>
+              <a:rPr lang="en-US" sz="1801" b="1" dirty="0" smtClean="0"/>
+              <a:t>Browser</a:t>
+            </a:r>
+            <a:endParaRPr lang="en-US" sz="1801" b="1" dirty="0"/>
+          </a:p>
+        </p:txBody>
+      </p:sp>
+      <p:sp>
+        <p:nvSpPr>
+          <p:cNvPr id="32" name="Freeform 31"/>
+          <p:cNvSpPr/>
+          <p:nvPr/>
+        </p:nvSpPr>
+        <p:spPr>
+          <a:xfrm>
+            <a:off x="951961" y="866214"/>
+            <a:ext cx="1115357" cy="864095"/>
+          </a:xfrm>
+          <a:custGeom>
+            <a:avLst/>
+            <a:gdLst>
+              <a:gd name="connsiteX0" fmla="*/ 622852 w 1116139"/>
+              <a:gd name="connsiteY0" fmla="*/ 41611 h 483432"/>
+              <a:gd name="connsiteX1" fmla="*/ 384313 w 1116139"/>
+              <a:gd name="connsiteY1" fmla="*/ 1854 h 483432"/>
+              <a:gd name="connsiteX2" fmla="*/ 212035 w 1116139"/>
+              <a:gd name="connsiteY2" fmla="*/ 94619 h 483432"/>
+              <a:gd name="connsiteX3" fmla="*/ 92765 w 1116139"/>
+              <a:gd name="connsiteY3" fmla="*/ 147628 h 483432"/>
+              <a:gd name="connsiteX4" fmla="*/ 0 w 1116139"/>
+              <a:gd name="connsiteY4" fmla="*/ 306654 h 483432"/>
+              <a:gd name="connsiteX5" fmla="*/ 92765 w 1116139"/>
+              <a:gd name="connsiteY5" fmla="*/ 346411 h 483432"/>
+              <a:gd name="connsiteX6" fmla="*/ 265044 w 1116139"/>
+              <a:gd name="connsiteY6" fmla="*/ 478932 h 483432"/>
+              <a:gd name="connsiteX7" fmla="*/ 371061 w 1116139"/>
+              <a:gd name="connsiteY7" fmla="*/ 452428 h 483432"/>
+              <a:gd name="connsiteX8" fmla="*/ 583096 w 1116139"/>
+              <a:gd name="connsiteY8" fmla="*/ 452428 h 483432"/>
+              <a:gd name="connsiteX9" fmla="*/ 675861 w 1116139"/>
+              <a:gd name="connsiteY9" fmla="*/ 425924 h 483432"/>
+              <a:gd name="connsiteX10" fmla="*/ 821635 w 1116139"/>
+              <a:gd name="connsiteY10" fmla="*/ 452428 h 483432"/>
+              <a:gd name="connsiteX11" fmla="*/ 901148 w 1116139"/>
+              <a:gd name="connsiteY11" fmla="*/ 386167 h 483432"/>
+              <a:gd name="connsiteX12" fmla="*/ 980661 w 1116139"/>
+              <a:gd name="connsiteY12" fmla="*/ 425924 h 483432"/>
+              <a:gd name="connsiteX13" fmla="*/ 1086678 w 1116139"/>
+              <a:gd name="connsiteY13" fmla="*/ 346411 h 483432"/>
+              <a:gd name="connsiteX14" fmla="*/ 1086678 w 1116139"/>
+              <a:gd name="connsiteY14" fmla="*/ 280150 h 483432"/>
+              <a:gd name="connsiteX15" fmla="*/ 1113183 w 1116139"/>
+              <a:gd name="connsiteY15" fmla="*/ 187384 h 483432"/>
+              <a:gd name="connsiteX16" fmla="*/ 1007165 w 1116139"/>
+              <a:gd name="connsiteY16" fmla="*/ 134376 h 483432"/>
+              <a:gd name="connsiteX17" fmla="*/ 848139 w 1116139"/>
+              <a:gd name="connsiteY17" fmla="*/ 94619 h 483432"/>
+              <a:gd name="connsiteX18" fmla="*/ 715618 w 1116139"/>
+              <a:gd name="connsiteY18" fmla="*/ 28358 h 483432"/>
+              <a:gd name="connsiteX19" fmla="*/ 543339 w 1116139"/>
+              <a:gd name="connsiteY19" fmla="*/ 28358 h 483432"/>
+              <a:gd name="connsiteX20" fmla="*/ 530087 w 1116139"/>
+              <a:gd name="connsiteY20" fmla="*/ 15106 h 483432"/>
+            </a:gdLst>
+            <a:ahLst/>
+            <a:cxnLst>
+              <a:cxn ang="0">
+                <a:pos x="connsiteX0" y="connsiteY0"/>
+              </a:cxn>
+              <a:cxn ang="0">
+                <a:pos x="connsiteX1" y="connsiteY1"/>
+              </a:cxn>
+              <a:cxn ang="0">
+                <a:pos x="connsiteX2" y="connsiteY2"/>
+              </a:cxn>
+              <a:cxn ang="0">
+                <a:pos x="connsiteX3" y="connsiteY3"/>
+              </a:cxn>
+              <a:cxn ang="0">
+                <a:pos x="connsiteX4" y="connsiteY4"/>
+              </a:cxn>
+              <a:cxn ang="0">
+                <a:pos x="connsiteX5" y="connsiteY5"/>
+              </a:cxn>
+              <a:cxn ang="0">
+                <a:pos x="connsiteX6" y="connsiteY6"/>
+              </a:cxn>
+              <a:cxn ang="0">
+                <a:pos x="connsiteX7" y="connsiteY7"/>
+              </a:cxn>
+              <a:cxn ang="0">
+                <a:pos x="connsiteX8" y="connsiteY8"/>
+              </a:cxn>
+              <a:cxn ang="0">
+                <a:pos x="connsiteX9" y="connsiteY9"/>
+              </a:cxn>
+              <a:cxn ang="0">
+                <a:pos x="connsiteX10" y="connsiteY10"/>
+              </a:cxn>
+              <a:cxn ang="0">
+                <a:pos x="connsiteX11" y="connsiteY11"/>
+              </a:cxn>
+              <a:cxn ang="0">
+                <a:pos x="connsiteX12" y="connsiteY12"/>
+              </a:cxn>
+              <a:cxn ang="0">
+                <a:pos x="connsiteX13" y="connsiteY13"/>
+              </a:cxn>
+              <a:cxn ang="0">
+                <a:pos x="connsiteX14" y="connsiteY14"/>
+              </a:cxn>
+              <a:cxn ang="0">
+                <a:pos x="connsiteX15" y="connsiteY15"/>
+              </a:cxn>
+              <a:cxn ang="0">
+                <a:pos x="connsiteX16" y="connsiteY16"/>
+              </a:cxn>
+              <a:cxn ang="0">
+                <a:pos x="connsiteX17" y="connsiteY17"/>
+              </a:cxn>
+              <a:cxn ang="0">
+                <a:pos x="connsiteX18" y="connsiteY18"/>
+              </a:cxn>
+              <a:cxn ang="0">
+                <a:pos x="connsiteX19" y="connsiteY19"/>
+              </a:cxn>
+              <a:cxn ang="0">
+                <a:pos x="connsiteX20" y="connsiteY20"/>
+              </a:cxn>
+            </a:cxnLst>
+            <a:rect l="l" t="t" r="r" b="b"/>
+            <a:pathLst>
+              <a:path w="1116139" h="483432">
+                <a:moveTo>
+                  <a:pt x="622852" y="41611"/>
+                </a:moveTo>
+                <a:cubicBezTo>
+                  <a:pt x="537817" y="17315"/>
+                  <a:pt x="452782" y="-6981"/>
+                  <a:pt x="384313" y="1854"/>
+                </a:cubicBezTo>
+                <a:cubicBezTo>
+                  <a:pt x="315843" y="10689"/>
+                  <a:pt x="260626" y="70323"/>
+                  <a:pt x="212035" y="94619"/>
+                </a:cubicBezTo>
+                <a:cubicBezTo>
+                  <a:pt x="163444" y="118915"/>
+                  <a:pt x="128104" y="112289"/>
+                  <a:pt x="92765" y="147628"/>
+                </a:cubicBezTo>
+                <a:cubicBezTo>
+                  <a:pt x="57426" y="182967"/>
+                  <a:pt x="0" y="273524"/>
+                  <a:pt x="0" y="306654"/>
+                </a:cubicBezTo>
+                <a:cubicBezTo>
+                  <a:pt x="0" y="339784"/>
+                  <a:pt x="48591" y="317698"/>
+                  <a:pt x="92765" y="346411"/>
+                </a:cubicBezTo>
+                <a:cubicBezTo>
+                  <a:pt x="136939" y="375124"/>
+                  <a:pt x="218661" y="461263"/>
+                  <a:pt x="265044" y="478932"/>
+                </a:cubicBezTo>
+                <a:cubicBezTo>
+                  <a:pt x="311427" y="496601"/>
+                  <a:pt x="318052" y="456845"/>
+                  <a:pt x="371061" y="452428"/>
+                </a:cubicBezTo>
+                <a:cubicBezTo>
+                  <a:pt x="424070" y="448011"/>
+                  <a:pt x="532296" y="456845"/>
+                  <a:pt x="583096" y="452428"/>
+                </a:cubicBezTo>
+                <a:cubicBezTo>
+                  <a:pt x="633896" y="448011"/>
+                  <a:pt x="636105" y="425924"/>
+                  <a:pt x="675861" y="425924"/>
+                </a:cubicBezTo>
+                <a:cubicBezTo>
+                  <a:pt x="715617" y="425924"/>
+                  <a:pt x="784087" y="459054"/>
+                  <a:pt x="821635" y="452428"/>
+                </a:cubicBezTo>
+                <a:cubicBezTo>
+                  <a:pt x="859183" y="445802"/>
+                  <a:pt x="874644" y="390584"/>
+                  <a:pt x="901148" y="386167"/>
+                </a:cubicBezTo>
+                <a:cubicBezTo>
+                  <a:pt x="927652" y="381750"/>
+                  <a:pt x="949739" y="432550"/>
+                  <a:pt x="980661" y="425924"/>
+                </a:cubicBezTo>
+                <a:cubicBezTo>
+                  <a:pt x="1011583" y="419298"/>
+                  <a:pt x="1069009" y="370707"/>
+                  <a:pt x="1086678" y="346411"/>
+                </a:cubicBezTo>
+                <a:cubicBezTo>
+                  <a:pt x="1104347" y="322115"/>
+                  <a:pt x="1082261" y="306654"/>
+                  <a:pt x="1086678" y="280150"/>
+                </a:cubicBezTo>
+                <a:cubicBezTo>
+                  <a:pt x="1091095" y="253646"/>
+                  <a:pt x="1126435" y="211680"/>
+                  <a:pt x="1113183" y="187384"/>
+                </a:cubicBezTo>
+                <a:cubicBezTo>
+                  <a:pt x="1099931" y="163088"/>
+                  <a:pt x="1051339" y="149837"/>
+                  <a:pt x="1007165" y="134376"/>
+                </a:cubicBezTo>
+                <a:cubicBezTo>
+                  <a:pt x="962991" y="118915"/>
+                  <a:pt x="896730" y="112289"/>
+                  <a:pt x="848139" y="94619"/>
+                </a:cubicBezTo>
+                <a:cubicBezTo>
+                  <a:pt x="799548" y="76949"/>
+                  <a:pt x="766418" y="39401"/>
+                  <a:pt x="715618" y="28358"/>
+                </a:cubicBezTo>
+                <a:cubicBezTo>
+                  <a:pt x="664818" y="17314"/>
+                  <a:pt x="574261" y="30567"/>
+                  <a:pt x="543339" y="28358"/>
+                </a:cubicBezTo>
+                <a:cubicBezTo>
+                  <a:pt x="512417" y="26149"/>
+                  <a:pt x="521252" y="20627"/>
+                  <a:pt x="530087" y="15106"/>
+                </a:cubicBezTo>
+              </a:path>
+            </a:pathLst>
+          </a:custGeom>
+          <a:noFill/>
+          <a:ln w="38100">
+            <a:solidFill>
+              <a:srgbClr val="FF0000"/>
+            </a:solidFill>
+          </a:ln>
+        </p:spPr>
+        <p:style>
+          <a:lnRef idx="2">
+            <a:schemeClr val="accent1">
+              <a:shade val="50000"/>
+            </a:schemeClr>
+          </a:lnRef>
+          <a:fillRef idx="1">
+            <a:schemeClr val="accent1"/>
+          </a:fillRef>
+          <a:effectRef idx="0">
+            <a:schemeClr val="accent1"/>
+          </a:effectRef>
+          <a:fontRef idx="minor">
+            <a:schemeClr val="lt1"/>
+          </a:fontRef>
+        </p:style>
+        <p:txBody>
+          <a:bodyPr rtlCol="0" anchor="ctr"/>
+          <a:lstStyle/>
+          <a:p>
+            <a:pPr algn="ctr"/>
+            <a:endParaRPr lang="en-US"/>
+          </a:p>
+        </p:txBody>
+      </p:sp>
+      <p:pic>
+        <p:nvPicPr>
+          <p:cNvPr id="34" name="Picture 33"/>
+          <p:cNvPicPr>
+            <a:picLocks noChangeAspect="1"/>
+          </p:cNvPicPr>
+          <p:nvPr/>
+        </p:nvPicPr>
+        <p:blipFill>
+          <a:blip r:embed="rId2">
+            <a:extLst>
+              <a:ext uri="{28A0092B-C50C-407E-A947-70E740481C1C}">
+                <a14:useLocalDpi xmlns:a14="http://schemas.microsoft.com/office/drawing/2010/main" val="0"/>
+              </a:ext>
+            </a:extLst>
+          </a:blip>
+          <a:stretch>
+            <a:fillRect/>
+          </a:stretch>
+        </p:blipFill>
+        <p:spPr>
+          <a:xfrm>
+            <a:off x="2669" y="95543"/>
+            <a:ext cx="3013939" cy="3013939"/>
+          </a:xfrm>
+          <a:prstGeom prst="rect">
+            <a:avLst/>
+          </a:prstGeom>
+        </p:spPr>
+      </p:pic>
+      <p:cxnSp>
+        <p:nvCxnSpPr>
+          <p:cNvPr id="39" name="Straight Connector 38"/>
+          <p:cNvCxnSpPr/>
+          <p:nvPr/>
+        </p:nvCxnSpPr>
+        <p:spPr>
+          <a:xfrm>
+            <a:off x="4155176" y="64304"/>
+            <a:ext cx="0" cy="6582156"/>
+          </a:xfrm>
+          <a:prstGeom prst="line">
+            <a:avLst/>
+          </a:prstGeom>
+          <a:ln w="38100">
+            <a:solidFill>
+              <a:schemeClr val="accent5">
+                <a:lumMod val="50000"/>
+              </a:schemeClr>
+            </a:solidFill>
+            <a:prstDash val="lgDash"/>
+          </a:ln>
+        </p:spPr>
+        <p:style>
+          <a:lnRef idx="1">
+            <a:schemeClr val="accent1"/>
+          </a:lnRef>
+          <a:fillRef idx="0">
+            <a:schemeClr val="accent1"/>
+          </a:fillRef>
+          <a:effectRef idx="0">
+            <a:schemeClr val="accent1"/>
+          </a:effectRef>
+          <a:fontRef idx="minor">
+            <a:schemeClr val="tx1"/>
+          </a:fontRef>
+        </p:style>
+      </p:cxnSp>
+      <p:sp>
+        <p:nvSpPr>
+          <p:cNvPr id="40" name="TextBox 39"/>
+          <p:cNvSpPr txBox="1"/>
+          <p:nvPr/>
+        </p:nvSpPr>
+        <p:spPr>
+          <a:xfrm>
+            <a:off x="9509560" y="2405280"/>
+            <a:ext cx="1712857" cy="707886"/>
+          </a:xfrm>
+          <a:prstGeom prst="rect">
+            <a:avLst/>
+          </a:prstGeom>
+          <a:noFill/>
+        </p:spPr>
+        <p:txBody>
+          <a:bodyPr wrap="square" rtlCol="0">
+            <a:spAutoFit/>
+          </a:bodyPr>
+          <a:lstStyle/>
+          <a:p>
+            <a:pPr algn="ctr"/>
+            <a:r>
+              <a:rPr lang="en-US" sz="2000" b="1" dirty="0" smtClean="0">
+                <a:solidFill>
+                  <a:srgbClr val="00B050"/>
+                </a:solidFill>
+              </a:rPr>
+              <a:t>Web </a:t>
+            </a:r>
+            <a:r>
+              <a:rPr lang="en-US" sz="2000" b="1" dirty="0" smtClean="0">
+                <a:solidFill>
+                  <a:srgbClr val="00B050"/>
+                </a:solidFill>
+              </a:rPr>
+              <a:t>Service</a:t>
+            </a:r>
+          </a:p>
+          <a:p>
+            <a:pPr algn="ctr"/>
+            <a:r>
+              <a:rPr lang="en-US" sz="2000" b="1" dirty="0" smtClean="0">
+                <a:solidFill>
+                  <a:srgbClr val="00B050"/>
+                </a:solidFill>
+              </a:rPr>
+              <a:t>Consumer</a:t>
+            </a:r>
+            <a:endParaRPr lang="en-US" sz="2000" b="1" dirty="0">
+              <a:solidFill>
+                <a:srgbClr val="00B050"/>
+              </a:solidFill>
+            </a:endParaRPr>
+          </a:p>
+        </p:txBody>
+      </p:sp>
+      <p:sp>
+        <p:nvSpPr>
+          <p:cNvPr id="41" name="TextBox 40"/>
+          <p:cNvSpPr txBox="1"/>
+          <p:nvPr/>
+        </p:nvSpPr>
+        <p:spPr>
+          <a:xfrm>
+            <a:off x="9509560" y="4319380"/>
+            <a:ext cx="1712856" cy="707886"/>
+          </a:xfrm>
+          <a:prstGeom prst="rect">
+            <a:avLst/>
+          </a:prstGeom>
+          <a:noFill/>
+        </p:spPr>
+        <p:txBody>
+          <a:bodyPr wrap="square" rtlCol="0">
+            <a:spAutoFit/>
+          </a:bodyPr>
+          <a:lstStyle/>
+          <a:p>
+            <a:pPr algn="ctr"/>
+            <a:r>
+              <a:rPr lang="en-US" sz="2000" b="1" dirty="0" smtClean="0">
+                <a:solidFill>
+                  <a:srgbClr val="00B050"/>
+                </a:solidFill>
+              </a:rPr>
+              <a:t>Web </a:t>
+            </a:r>
+            <a:r>
+              <a:rPr lang="en-US" sz="2000" b="1" dirty="0" smtClean="0">
+                <a:solidFill>
+                  <a:srgbClr val="00B050"/>
+                </a:solidFill>
+              </a:rPr>
+              <a:t>Service</a:t>
+            </a:r>
+          </a:p>
+          <a:p>
+            <a:pPr algn="ctr"/>
+            <a:r>
+              <a:rPr lang="en-US" sz="2000" b="1" dirty="0" smtClean="0">
+                <a:solidFill>
+                  <a:srgbClr val="00B050"/>
+                </a:solidFill>
+              </a:rPr>
+              <a:t>Provider</a:t>
+            </a:r>
+            <a:endParaRPr lang="en-US" sz="2000" b="1" dirty="0">
+              <a:solidFill>
+                <a:srgbClr val="00B050"/>
+              </a:solidFill>
+            </a:endParaRPr>
+          </a:p>
+        </p:txBody>
+      </p:sp>
+      <p:pic>
+        <p:nvPicPr>
+          <p:cNvPr id="45" name="Picture 44"/>
+          <p:cNvPicPr>
+            <a:picLocks noChangeAspect="1"/>
+          </p:cNvPicPr>
+          <p:nvPr/>
+        </p:nvPicPr>
+        <p:blipFill>
+          <a:blip r:embed="rId3">
+            <a:extLst>
+              <a:ext uri="{28A0092B-C50C-407E-A947-70E740481C1C}">
+                <a14:useLocalDpi xmlns:a14="http://schemas.microsoft.com/office/drawing/2010/main" val="0"/>
+              </a:ext>
+            </a:extLst>
+          </a:blip>
+          <a:stretch>
+            <a:fillRect/>
+          </a:stretch>
+        </p:blipFill>
+        <p:spPr>
+          <a:xfrm>
+            <a:off x="6432852" y="464422"/>
+            <a:ext cx="3201164" cy="6182037"/>
+          </a:xfrm>
+          <a:prstGeom prst="rect">
+            <a:avLst/>
+          </a:prstGeom>
+        </p:spPr>
+      </p:pic>
+      <p:sp>
+        <p:nvSpPr>
+          <p:cNvPr id="47" name="Freeform 46"/>
+          <p:cNvSpPr/>
+          <p:nvPr/>
+        </p:nvSpPr>
+        <p:spPr>
+          <a:xfrm>
+            <a:off x="7106695" y="2383592"/>
+            <a:ext cx="1811819" cy="751262"/>
+          </a:xfrm>
+          <a:custGeom>
+            <a:avLst/>
+            <a:gdLst>
+              <a:gd name="connsiteX0" fmla="*/ 622852 w 1116139"/>
+              <a:gd name="connsiteY0" fmla="*/ 41611 h 483432"/>
+              <a:gd name="connsiteX1" fmla="*/ 384313 w 1116139"/>
+              <a:gd name="connsiteY1" fmla="*/ 1854 h 483432"/>
+              <a:gd name="connsiteX2" fmla="*/ 212035 w 1116139"/>
+              <a:gd name="connsiteY2" fmla="*/ 94619 h 483432"/>
+              <a:gd name="connsiteX3" fmla="*/ 92765 w 1116139"/>
+              <a:gd name="connsiteY3" fmla="*/ 147628 h 483432"/>
+              <a:gd name="connsiteX4" fmla="*/ 0 w 1116139"/>
+              <a:gd name="connsiteY4" fmla="*/ 306654 h 483432"/>
+              <a:gd name="connsiteX5" fmla="*/ 92765 w 1116139"/>
+              <a:gd name="connsiteY5" fmla="*/ 346411 h 483432"/>
+              <a:gd name="connsiteX6" fmla="*/ 265044 w 1116139"/>
+              <a:gd name="connsiteY6" fmla="*/ 478932 h 483432"/>
+              <a:gd name="connsiteX7" fmla="*/ 371061 w 1116139"/>
+              <a:gd name="connsiteY7" fmla="*/ 452428 h 483432"/>
+              <a:gd name="connsiteX8" fmla="*/ 583096 w 1116139"/>
+              <a:gd name="connsiteY8" fmla="*/ 452428 h 483432"/>
+              <a:gd name="connsiteX9" fmla="*/ 675861 w 1116139"/>
+              <a:gd name="connsiteY9" fmla="*/ 425924 h 483432"/>
+              <a:gd name="connsiteX10" fmla="*/ 821635 w 1116139"/>
+              <a:gd name="connsiteY10" fmla="*/ 452428 h 483432"/>
+              <a:gd name="connsiteX11" fmla="*/ 901148 w 1116139"/>
+              <a:gd name="connsiteY11" fmla="*/ 386167 h 483432"/>
+              <a:gd name="connsiteX12" fmla="*/ 980661 w 1116139"/>
+              <a:gd name="connsiteY12" fmla="*/ 425924 h 483432"/>
+              <a:gd name="connsiteX13" fmla="*/ 1086678 w 1116139"/>
+              <a:gd name="connsiteY13" fmla="*/ 346411 h 483432"/>
+              <a:gd name="connsiteX14" fmla="*/ 1086678 w 1116139"/>
+              <a:gd name="connsiteY14" fmla="*/ 280150 h 483432"/>
+              <a:gd name="connsiteX15" fmla="*/ 1113183 w 1116139"/>
+              <a:gd name="connsiteY15" fmla="*/ 187384 h 483432"/>
+              <a:gd name="connsiteX16" fmla="*/ 1007165 w 1116139"/>
+              <a:gd name="connsiteY16" fmla="*/ 134376 h 483432"/>
+              <a:gd name="connsiteX17" fmla="*/ 848139 w 1116139"/>
+              <a:gd name="connsiteY17" fmla="*/ 94619 h 483432"/>
+              <a:gd name="connsiteX18" fmla="*/ 715618 w 1116139"/>
+              <a:gd name="connsiteY18" fmla="*/ 28358 h 483432"/>
+              <a:gd name="connsiteX19" fmla="*/ 543339 w 1116139"/>
+              <a:gd name="connsiteY19" fmla="*/ 28358 h 483432"/>
+              <a:gd name="connsiteX20" fmla="*/ 530087 w 1116139"/>
+              <a:gd name="connsiteY20" fmla="*/ 15106 h 483432"/>
+            </a:gdLst>
+            <a:ahLst/>
+            <a:cxnLst>
+              <a:cxn ang="0">
+                <a:pos x="connsiteX0" y="connsiteY0"/>
+              </a:cxn>
+              <a:cxn ang="0">
+                <a:pos x="connsiteX1" y="connsiteY1"/>
+              </a:cxn>
+              <a:cxn ang="0">
+                <a:pos x="connsiteX2" y="connsiteY2"/>
+              </a:cxn>
+              <a:cxn ang="0">
+                <a:pos x="connsiteX3" y="connsiteY3"/>
+              </a:cxn>
+              <a:cxn ang="0">
+                <a:pos x="connsiteX4" y="connsiteY4"/>
+              </a:cxn>
+              <a:cxn ang="0">
+                <a:pos x="connsiteX5" y="connsiteY5"/>
+              </a:cxn>
+              <a:cxn ang="0">
+                <a:pos x="connsiteX6" y="connsiteY6"/>
+              </a:cxn>
+              <a:cxn ang="0">
+                <a:pos x="connsiteX7" y="connsiteY7"/>
+              </a:cxn>
+              <a:cxn ang="0">
+                <a:pos x="connsiteX8" y="connsiteY8"/>
+              </a:cxn>
+              <a:cxn ang="0">
+                <a:pos x="connsiteX9" y="connsiteY9"/>
+              </a:cxn>
+              <a:cxn ang="0">
+                <a:pos x="connsiteX10" y="connsiteY10"/>
+              </a:cxn>
+              <a:cxn ang="0">
+                <a:pos x="connsiteX11" y="connsiteY11"/>
+              </a:cxn>
+              <a:cxn ang="0">
+                <a:pos x="connsiteX12" y="connsiteY12"/>
+              </a:cxn>
+              <a:cxn ang="0">
+                <a:pos x="connsiteX13" y="connsiteY13"/>
+              </a:cxn>
+              <a:cxn ang="0">
+                <a:pos x="connsiteX14" y="connsiteY14"/>
+              </a:cxn>
+              <a:cxn ang="0">
+                <a:pos x="connsiteX15" y="connsiteY15"/>
+              </a:cxn>
+              <a:cxn ang="0">
+                <a:pos x="connsiteX16" y="connsiteY16"/>
+              </a:cxn>
+              <a:cxn ang="0">
+                <a:pos x="connsiteX17" y="connsiteY17"/>
+              </a:cxn>
+              <a:cxn ang="0">
+                <a:pos x="connsiteX18" y="connsiteY18"/>
+              </a:cxn>
+              <a:cxn ang="0">
+                <a:pos x="connsiteX19" y="connsiteY19"/>
+              </a:cxn>
+              <a:cxn ang="0">
+                <a:pos x="connsiteX20" y="connsiteY20"/>
+              </a:cxn>
+            </a:cxnLst>
+            <a:rect l="l" t="t" r="r" b="b"/>
+            <a:pathLst>
+              <a:path w="1116139" h="483432">
+                <a:moveTo>
+                  <a:pt x="622852" y="41611"/>
+                </a:moveTo>
+                <a:cubicBezTo>
+                  <a:pt x="537817" y="17315"/>
+                  <a:pt x="452782" y="-6981"/>
+                  <a:pt x="384313" y="1854"/>
+                </a:cubicBezTo>
+                <a:cubicBezTo>
+                  <a:pt x="315843" y="10689"/>
+                  <a:pt x="260626" y="70323"/>
+                  <a:pt x="212035" y="94619"/>
+                </a:cubicBezTo>
+                <a:cubicBezTo>
+                  <a:pt x="163444" y="118915"/>
+                  <a:pt x="128104" y="112289"/>
+                  <a:pt x="92765" y="147628"/>
+                </a:cubicBezTo>
+                <a:cubicBezTo>
+                  <a:pt x="57426" y="182967"/>
+                  <a:pt x="0" y="273524"/>
+                  <a:pt x="0" y="306654"/>
+                </a:cubicBezTo>
+                <a:cubicBezTo>
+                  <a:pt x="0" y="339784"/>
+                  <a:pt x="48591" y="317698"/>
+                  <a:pt x="92765" y="346411"/>
+                </a:cubicBezTo>
+                <a:cubicBezTo>
+                  <a:pt x="136939" y="375124"/>
+                  <a:pt x="218661" y="461263"/>
+                  <a:pt x="265044" y="478932"/>
+                </a:cubicBezTo>
+                <a:cubicBezTo>
+                  <a:pt x="311427" y="496601"/>
+                  <a:pt x="318052" y="456845"/>
+                  <a:pt x="371061" y="452428"/>
+                </a:cubicBezTo>
+                <a:cubicBezTo>
+                  <a:pt x="424070" y="448011"/>
+                  <a:pt x="532296" y="456845"/>
+                  <a:pt x="583096" y="452428"/>
+                </a:cubicBezTo>
+                <a:cubicBezTo>
+                  <a:pt x="633896" y="448011"/>
+                  <a:pt x="636105" y="425924"/>
+                  <a:pt x="675861" y="425924"/>
+                </a:cubicBezTo>
+                <a:cubicBezTo>
+                  <a:pt x="715617" y="425924"/>
+                  <a:pt x="784087" y="459054"/>
+                  <a:pt x="821635" y="452428"/>
+                </a:cubicBezTo>
+                <a:cubicBezTo>
+                  <a:pt x="859183" y="445802"/>
+                  <a:pt x="874644" y="390584"/>
+                  <a:pt x="901148" y="386167"/>
+                </a:cubicBezTo>
+                <a:cubicBezTo>
+                  <a:pt x="927652" y="381750"/>
+                  <a:pt x="949739" y="432550"/>
+                  <a:pt x="980661" y="425924"/>
+                </a:cubicBezTo>
+                <a:cubicBezTo>
+                  <a:pt x="1011583" y="419298"/>
+                  <a:pt x="1069009" y="370707"/>
+                  <a:pt x="1086678" y="346411"/>
+                </a:cubicBezTo>
+                <a:cubicBezTo>
+                  <a:pt x="1104347" y="322115"/>
+                  <a:pt x="1082261" y="306654"/>
+                  <a:pt x="1086678" y="280150"/>
+                </a:cubicBezTo>
+                <a:cubicBezTo>
+                  <a:pt x="1091095" y="253646"/>
+                  <a:pt x="1126435" y="211680"/>
+                  <a:pt x="1113183" y="187384"/>
+                </a:cubicBezTo>
+                <a:cubicBezTo>
+                  <a:pt x="1099931" y="163088"/>
+                  <a:pt x="1051339" y="149837"/>
+                  <a:pt x="1007165" y="134376"/>
+                </a:cubicBezTo>
+                <a:cubicBezTo>
+                  <a:pt x="962991" y="118915"/>
+                  <a:pt x="896730" y="112289"/>
+                  <a:pt x="848139" y="94619"/>
+                </a:cubicBezTo>
+                <a:cubicBezTo>
+                  <a:pt x="799548" y="76949"/>
+                  <a:pt x="766418" y="39401"/>
+                  <a:pt x="715618" y="28358"/>
+                </a:cubicBezTo>
+                <a:cubicBezTo>
+                  <a:pt x="664818" y="17314"/>
+                  <a:pt x="574261" y="30567"/>
+                  <a:pt x="543339" y="28358"/>
+                </a:cubicBezTo>
+                <a:cubicBezTo>
+                  <a:pt x="512417" y="26149"/>
+                  <a:pt x="521252" y="20627"/>
+                  <a:pt x="530087" y="15106"/>
+                </a:cubicBezTo>
+              </a:path>
+            </a:pathLst>
+          </a:custGeom>
+          <a:solidFill>
+            <a:schemeClr val="bg1"/>
+          </a:solidFill>
+          <a:ln w="38100">
+            <a:solidFill>
+              <a:srgbClr val="FF0000"/>
+            </a:solidFill>
+          </a:ln>
+        </p:spPr>
+        <p:style>
+          <a:lnRef idx="2">
+            <a:schemeClr val="accent1">
+              <a:shade val="50000"/>
+            </a:schemeClr>
+          </a:lnRef>
+          <a:fillRef idx="1">
+            <a:schemeClr val="accent1"/>
+          </a:fillRef>
+          <a:effectRef idx="0">
+            <a:schemeClr val="accent1"/>
+          </a:effectRef>
+          <a:fontRef idx="minor">
+            <a:schemeClr val="lt1"/>
+          </a:fontRef>
+        </p:style>
+        <p:txBody>
+          <a:bodyPr rtlCol="0" anchor="ctr"/>
+          <a:lstStyle/>
+          <a:p>
+            <a:pPr algn="ctr"/>
+            <a:r>
+              <a:rPr lang="en-US" b="1" dirty="0" smtClean="0">
+                <a:solidFill>
+                  <a:schemeClr val="tx1"/>
+                </a:solidFill>
+              </a:rPr>
+              <a:t>myWebApp</a:t>
+            </a:r>
+            <a:endParaRPr lang="en-US" b="1" dirty="0">
+              <a:solidFill>
+                <a:schemeClr val="tx1"/>
+              </a:solidFill>
+            </a:endParaRPr>
+          </a:p>
+        </p:txBody>
+      </p:sp>
+      <p:sp>
+        <p:nvSpPr>
+          <p:cNvPr id="22" name="Freeform 21"/>
+          <p:cNvSpPr/>
+          <p:nvPr/>
+        </p:nvSpPr>
+        <p:spPr>
+          <a:xfrm>
+            <a:off x="7162115" y="4297692"/>
+            <a:ext cx="1811819" cy="751262"/>
+          </a:xfrm>
+          <a:custGeom>
+            <a:avLst/>
+            <a:gdLst>
+              <a:gd name="connsiteX0" fmla="*/ 622852 w 1116139"/>
+              <a:gd name="connsiteY0" fmla="*/ 41611 h 483432"/>
+              <a:gd name="connsiteX1" fmla="*/ 384313 w 1116139"/>
+              <a:gd name="connsiteY1" fmla="*/ 1854 h 483432"/>
+              <a:gd name="connsiteX2" fmla="*/ 212035 w 1116139"/>
+              <a:gd name="connsiteY2" fmla="*/ 94619 h 483432"/>
+              <a:gd name="connsiteX3" fmla="*/ 92765 w 1116139"/>
+              <a:gd name="connsiteY3" fmla="*/ 147628 h 483432"/>
+              <a:gd name="connsiteX4" fmla="*/ 0 w 1116139"/>
+              <a:gd name="connsiteY4" fmla="*/ 306654 h 483432"/>
+              <a:gd name="connsiteX5" fmla="*/ 92765 w 1116139"/>
+              <a:gd name="connsiteY5" fmla="*/ 346411 h 483432"/>
+              <a:gd name="connsiteX6" fmla="*/ 265044 w 1116139"/>
+              <a:gd name="connsiteY6" fmla="*/ 478932 h 483432"/>
+              <a:gd name="connsiteX7" fmla="*/ 371061 w 1116139"/>
+              <a:gd name="connsiteY7" fmla="*/ 452428 h 483432"/>
+              <a:gd name="connsiteX8" fmla="*/ 583096 w 1116139"/>
+              <a:gd name="connsiteY8" fmla="*/ 452428 h 483432"/>
+              <a:gd name="connsiteX9" fmla="*/ 675861 w 1116139"/>
+              <a:gd name="connsiteY9" fmla="*/ 425924 h 483432"/>
+              <a:gd name="connsiteX10" fmla="*/ 821635 w 1116139"/>
+              <a:gd name="connsiteY10" fmla="*/ 452428 h 483432"/>
+              <a:gd name="connsiteX11" fmla="*/ 901148 w 1116139"/>
+              <a:gd name="connsiteY11" fmla="*/ 386167 h 483432"/>
+              <a:gd name="connsiteX12" fmla="*/ 980661 w 1116139"/>
+              <a:gd name="connsiteY12" fmla="*/ 425924 h 483432"/>
+              <a:gd name="connsiteX13" fmla="*/ 1086678 w 1116139"/>
+              <a:gd name="connsiteY13" fmla="*/ 346411 h 483432"/>
+              <a:gd name="connsiteX14" fmla="*/ 1086678 w 1116139"/>
+              <a:gd name="connsiteY14" fmla="*/ 280150 h 483432"/>
+              <a:gd name="connsiteX15" fmla="*/ 1113183 w 1116139"/>
+              <a:gd name="connsiteY15" fmla="*/ 187384 h 483432"/>
+              <a:gd name="connsiteX16" fmla="*/ 1007165 w 1116139"/>
+              <a:gd name="connsiteY16" fmla="*/ 134376 h 483432"/>
+              <a:gd name="connsiteX17" fmla="*/ 848139 w 1116139"/>
+              <a:gd name="connsiteY17" fmla="*/ 94619 h 483432"/>
+              <a:gd name="connsiteX18" fmla="*/ 715618 w 1116139"/>
+              <a:gd name="connsiteY18" fmla="*/ 28358 h 483432"/>
+              <a:gd name="connsiteX19" fmla="*/ 543339 w 1116139"/>
+              <a:gd name="connsiteY19" fmla="*/ 28358 h 483432"/>
+              <a:gd name="connsiteX20" fmla="*/ 530087 w 1116139"/>
+              <a:gd name="connsiteY20" fmla="*/ 15106 h 483432"/>
+            </a:gdLst>
+            <a:ahLst/>
+            <a:cxnLst>
+              <a:cxn ang="0">
+                <a:pos x="connsiteX0" y="connsiteY0"/>
+              </a:cxn>
+              <a:cxn ang="0">
+                <a:pos x="connsiteX1" y="connsiteY1"/>
+              </a:cxn>
+              <a:cxn ang="0">
+                <a:pos x="connsiteX2" y="connsiteY2"/>
+              </a:cxn>
+              <a:cxn ang="0">
+                <a:pos x="connsiteX3" y="connsiteY3"/>
+              </a:cxn>
+              <a:cxn ang="0">
+                <a:pos x="connsiteX4" y="connsiteY4"/>
+              </a:cxn>
+              <a:cxn ang="0">
+                <a:pos x="connsiteX5" y="connsiteY5"/>
+              </a:cxn>
+              <a:cxn ang="0">
+                <a:pos x="connsiteX6" y="connsiteY6"/>
+              </a:cxn>
+              <a:cxn ang="0">
+                <a:pos x="connsiteX7" y="connsiteY7"/>
+              </a:cxn>
+              <a:cxn ang="0">
+                <a:pos x="connsiteX8" y="connsiteY8"/>
+              </a:cxn>
+              <a:cxn ang="0">
+                <a:pos x="connsiteX9" y="connsiteY9"/>
+              </a:cxn>
+              <a:cxn ang="0">
+                <a:pos x="connsiteX10" y="connsiteY10"/>
+              </a:cxn>
+              <a:cxn ang="0">
+                <a:pos x="connsiteX11" y="connsiteY11"/>
+              </a:cxn>
+              <a:cxn ang="0">
+                <a:pos x="connsiteX12" y="connsiteY12"/>
+              </a:cxn>
+              <a:cxn ang="0">
+                <a:pos x="connsiteX13" y="connsiteY13"/>
+              </a:cxn>
+              <a:cxn ang="0">
+                <a:pos x="connsiteX14" y="connsiteY14"/>
+              </a:cxn>
+              <a:cxn ang="0">
+                <a:pos x="connsiteX15" y="connsiteY15"/>
+              </a:cxn>
+              <a:cxn ang="0">
+                <a:pos x="connsiteX16" y="connsiteY16"/>
+              </a:cxn>
+              <a:cxn ang="0">
+                <a:pos x="connsiteX17" y="connsiteY17"/>
+              </a:cxn>
+              <a:cxn ang="0">
+                <a:pos x="connsiteX18" y="connsiteY18"/>
+              </a:cxn>
+              <a:cxn ang="0">
+                <a:pos x="connsiteX19" y="connsiteY19"/>
+              </a:cxn>
+              <a:cxn ang="0">
+                <a:pos x="connsiteX20" y="connsiteY20"/>
+              </a:cxn>
+            </a:cxnLst>
+            <a:rect l="l" t="t" r="r" b="b"/>
+            <a:pathLst>
+              <a:path w="1116139" h="483432">
+                <a:moveTo>
+                  <a:pt x="622852" y="41611"/>
+                </a:moveTo>
+                <a:cubicBezTo>
+                  <a:pt x="537817" y="17315"/>
+                  <a:pt x="452782" y="-6981"/>
+                  <a:pt x="384313" y="1854"/>
+                </a:cubicBezTo>
+                <a:cubicBezTo>
+                  <a:pt x="315843" y="10689"/>
+                  <a:pt x="260626" y="70323"/>
+                  <a:pt x="212035" y="94619"/>
+                </a:cubicBezTo>
+                <a:cubicBezTo>
+                  <a:pt x="163444" y="118915"/>
+                  <a:pt x="128104" y="112289"/>
+                  <a:pt x="92765" y="147628"/>
+                </a:cubicBezTo>
+                <a:cubicBezTo>
+                  <a:pt x="57426" y="182967"/>
+                  <a:pt x="0" y="273524"/>
+                  <a:pt x="0" y="306654"/>
+                </a:cubicBezTo>
+                <a:cubicBezTo>
+                  <a:pt x="0" y="339784"/>
+                  <a:pt x="48591" y="317698"/>
+                  <a:pt x="92765" y="346411"/>
+                </a:cubicBezTo>
+                <a:cubicBezTo>
+                  <a:pt x="136939" y="375124"/>
+                  <a:pt x="218661" y="461263"/>
+                  <a:pt x="265044" y="478932"/>
+                </a:cubicBezTo>
+                <a:cubicBezTo>
+                  <a:pt x="311427" y="496601"/>
+                  <a:pt x="318052" y="456845"/>
+                  <a:pt x="371061" y="452428"/>
+                </a:cubicBezTo>
+                <a:cubicBezTo>
+                  <a:pt x="424070" y="448011"/>
+                  <a:pt x="532296" y="456845"/>
+                  <a:pt x="583096" y="452428"/>
+                </a:cubicBezTo>
+                <a:cubicBezTo>
+                  <a:pt x="633896" y="448011"/>
+                  <a:pt x="636105" y="425924"/>
+                  <a:pt x="675861" y="425924"/>
+                </a:cubicBezTo>
+                <a:cubicBezTo>
+                  <a:pt x="715617" y="425924"/>
+                  <a:pt x="784087" y="459054"/>
+                  <a:pt x="821635" y="452428"/>
+                </a:cubicBezTo>
+                <a:cubicBezTo>
+                  <a:pt x="859183" y="445802"/>
+                  <a:pt x="874644" y="390584"/>
+                  <a:pt x="901148" y="386167"/>
+                </a:cubicBezTo>
+                <a:cubicBezTo>
+                  <a:pt x="927652" y="381750"/>
+                  <a:pt x="949739" y="432550"/>
+                  <a:pt x="980661" y="425924"/>
+                </a:cubicBezTo>
+                <a:cubicBezTo>
+                  <a:pt x="1011583" y="419298"/>
+                  <a:pt x="1069009" y="370707"/>
+                  <a:pt x="1086678" y="346411"/>
+                </a:cubicBezTo>
+                <a:cubicBezTo>
+                  <a:pt x="1104347" y="322115"/>
+                  <a:pt x="1082261" y="306654"/>
+                  <a:pt x="1086678" y="280150"/>
+                </a:cubicBezTo>
+                <a:cubicBezTo>
+                  <a:pt x="1091095" y="253646"/>
+                  <a:pt x="1126435" y="211680"/>
+                  <a:pt x="1113183" y="187384"/>
+                </a:cubicBezTo>
+                <a:cubicBezTo>
+                  <a:pt x="1099931" y="163088"/>
+                  <a:pt x="1051339" y="149837"/>
+                  <a:pt x="1007165" y="134376"/>
+                </a:cubicBezTo>
+                <a:cubicBezTo>
+                  <a:pt x="962991" y="118915"/>
+                  <a:pt x="896730" y="112289"/>
+                  <a:pt x="848139" y="94619"/>
+                </a:cubicBezTo>
+                <a:cubicBezTo>
+                  <a:pt x="799548" y="76949"/>
+                  <a:pt x="766418" y="39401"/>
+                  <a:pt x="715618" y="28358"/>
+                </a:cubicBezTo>
+                <a:cubicBezTo>
+                  <a:pt x="664818" y="17314"/>
+                  <a:pt x="574261" y="30567"/>
+                  <a:pt x="543339" y="28358"/>
+                </a:cubicBezTo>
+                <a:cubicBezTo>
+                  <a:pt x="512417" y="26149"/>
+                  <a:pt x="521252" y="20627"/>
+                  <a:pt x="530087" y="15106"/>
+                </a:cubicBezTo>
+              </a:path>
+            </a:pathLst>
+          </a:custGeom>
+          <a:solidFill>
+            <a:schemeClr val="bg1"/>
+          </a:solidFill>
+          <a:ln w="38100">
+            <a:solidFill>
+              <a:srgbClr val="FF0000"/>
+            </a:solidFill>
+          </a:ln>
+        </p:spPr>
+        <p:style>
+          <a:lnRef idx="2">
+            <a:schemeClr val="accent1">
+              <a:shade val="50000"/>
+            </a:schemeClr>
+          </a:lnRef>
+          <a:fillRef idx="1">
+            <a:schemeClr val="accent1"/>
+          </a:fillRef>
+          <a:effectRef idx="0">
+            <a:schemeClr val="accent1"/>
+          </a:effectRef>
+          <a:fontRef idx="minor">
+            <a:schemeClr val="lt1"/>
+          </a:fontRef>
+        </p:style>
+        <p:txBody>
+          <a:bodyPr rtlCol="0" anchor="ctr"/>
+          <a:lstStyle/>
+          <a:p>
+            <a:pPr algn="ctr"/>
+            <a:r>
+              <a:rPr lang="en-US" b="1" dirty="0">
+                <a:solidFill>
+                  <a:schemeClr val="tx1"/>
+                </a:solidFill>
+              </a:rPr>
+              <a:t>G</a:t>
+            </a:r>
+            <a:r>
+              <a:rPr lang="en-US" b="1" dirty="0" smtClean="0">
+                <a:solidFill>
+                  <a:schemeClr val="tx1"/>
+                </a:solidFill>
+              </a:rPr>
+              <a:t>oogleMaps</a:t>
+            </a:r>
+            <a:endParaRPr lang="en-US" b="1" dirty="0">
+              <a:solidFill>
+                <a:schemeClr val="tx1"/>
+              </a:solidFill>
+            </a:endParaRPr>
+          </a:p>
+        </p:txBody>
+      </p:sp>
+      <p:sp>
+        <p:nvSpPr>
+          <p:cNvPr id="23" name="Isosceles Triangle 22"/>
+          <p:cNvSpPr/>
+          <p:nvPr/>
+        </p:nvSpPr>
+        <p:spPr>
+          <a:xfrm>
+            <a:off x="672753" y="5635727"/>
+            <a:ext cx="1630392" cy="288353"/>
+          </a:xfrm>
+          <a:prstGeom prst="triangle">
+            <a:avLst/>
+          </a:prstGeom>
+          <a:noFill/>
+          <a:ln w="76200"/>
+        </p:spPr>
+        <p:style>
+          <a:lnRef idx="2">
+            <a:schemeClr val="accent1">
+              <a:shade val="50000"/>
+            </a:schemeClr>
+          </a:lnRef>
+          <a:fillRef idx="1">
+            <a:schemeClr val="accent1"/>
+          </a:fillRef>
+          <a:effectRef idx="0">
+            <a:schemeClr val="accent1"/>
+          </a:effectRef>
+          <a:fontRef idx="minor">
+            <a:schemeClr val="lt1"/>
+          </a:fontRef>
+        </p:style>
+        <p:txBody>
+          <a:bodyPr rtlCol="0" anchor="ctr"/>
+          <a:lstStyle/>
+          <a:p>
+            <a:pPr algn="ctr"/>
+            <a:endParaRPr lang="en-US" sz="1801"/>
+          </a:p>
+        </p:txBody>
+      </p:sp>
+      <p:sp>
+        <p:nvSpPr>
+          <p:cNvPr id="24" name="Rectangle 23"/>
+          <p:cNvSpPr/>
+          <p:nvPr/>
+        </p:nvSpPr>
+        <p:spPr>
+          <a:xfrm>
+            <a:off x="697042" y="4472091"/>
+            <a:ext cx="1606103" cy="1153726"/>
+          </a:xfrm>
+          <a:prstGeom prst="rect">
+            <a:avLst/>
+          </a:prstGeom>
+          <a:noFill/>
+          <a:ln w="76200"/>
+        </p:spPr>
+        <p:style>
+          <a:lnRef idx="2">
+            <a:schemeClr val="accent1">
+              <a:shade val="50000"/>
+            </a:schemeClr>
+          </a:lnRef>
+          <a:fillRef idx="1">
+            <a:schemeClr val="accent1"/>
+          </a:fillRef>
+          <a:effectRef idx="0">
+            <a:schemeClr val="accent1"/>
+          </a:effectRef>
+          <a:fontRef idx="minor">
+            <a:schemeClr val="lt1"/>
+          </a:fontRef>
+        </p:style>
+        <p:txBody>
+          <a:bodyPr rtlCol="0" anchor="ctr"/>
+          <a:lstStyle/>
+          <a:p>
+            <a:pPr algn="ctr"/>
+            <a:endParaRPr lang="en-US" sz="1801"/>
+          </a:p>
+        </p:txBody>
+      </p:sp>
+      <p:sp>
+        <p:nvSpPr>
+          <p:cNvPr id="25" name="TextBox 24"/>
+          <p:cNvSpPr txBox="1"/>
+          <p:nvPr/>
+        </p:nvSpPr>
+        <p:spPr>
+          <a:xfrm>
+            <a:off x="992078" y="4893443"/>
+            <a:ext cx="1021563" cy="369460"/>
+          </a:xfrm>
+          <a:prstGeom prst="rect">
+            <a:avLst/>
+          </a:prstGeom>
+          <a:noFill/>
+        </p:spPr>
+        <p:txBody>
+          <a:bodyPr wrap="none" rtlCol="0">
+            <a:spAutoFit/>
+          </a:bodyPr>
+          <a:lstStyle/>
+          <a:p>
+            <a:pPr algn="ctr"/>
+            <a:r>
+              <a:rPr lang="en-US" sz="1801" b="1" dirty="0" smtClean="0"/>
+              <a:t>Postman</a:t>
+            </a:r>
+            <a:endParaRPr lang="en-US" sz="1801" b="1" dirty="0"/>
+          </a:p>
+        </p:txBody>
+      </p:sp>
+      <p:sp>
+        <p:nvSpPr>
+          <p:cNvPr id="27" name="Freeform 26"/>
+          <p:cNvSpPr/>
+          <p:nvPr/>
+        </p:nvSpPr>
+        <p:spPr>
+          <a:xfrm>
+            <a:off x="813937" y="4646126"/>
+            <a:ext cx="1377842" cy="864095"/>
+          </a:xfrm>
+          <a:custGeom>
+            <a:avLst/>
+            <a:gdLst>
+              <a:gd name="connsiteX0" fmla="*/ 622852 w 1116139"/>
+              <a:gd name="connsiteY0" fmla="*/ 41611 h 483432"/>
+              <a:gd name="connsiteX1" fmla="*/ 384313 w 1116139"/>
+              <a:gd name="connsiteY1" fmla="*/ 1854 h 483432"/>
+              <a:gd name="connsiteX2" fmla="*/ 212035 w 1116139"/>
+              <a:gd name="connsiteY2" fmla="*/ 94619 h 483432"/>
+              <a:gd name="connsiteX3" fmla="*/ 92765 w 1116139"/>
+              <a:gd name="connsiteY3" fmla="*/ 147628 h 483432"/>
+              <a:gd name="connsiteX4" fmla="*/ 0 w 1116139"/>
+              <a:gd name="connsiteY4" fmla="*/ 306654 h 483432"/>
+              <a:gd name="connsiteX5" fmla="*/ 92765 w 1116139"/>
+              <a:gd name="connsiteY5" fmla="*/ 346411 h 483432"/>
+              <a:gd name="connsiteX6" fmla="*/ 265044 w 1116139"/>
+              <a:gd name="connsiteY6" fmla="*/ 478932 h 483432"/>
+              <a:gd name="connsiteX7" fmla="*/ 371061 w 1116139"/>
+              <a:gd name="connsiteY7" fmla="*/ 452428 h 483432"/>
+              <a:gd name="connsiteX8" fmla="*/ 583096 w 1116139"/>
+              <a:gd name="connsiteY8" fmla="*/ 452428 h 483432"/>
+              <a:gd name="connsiteX9" fmla="*/ 675861 w 1116139"/>
+              <a:gd name="connsiteY9" fmla="*/ 425924 h 483432"/>
+              <a:gd name="connsiteX10" fmla="*/ 821635 w 1116139"/>
+              <a:gd name="connsiteY10" fmla="*/ 452428 h 483432"/>
+              <a:gd name="connsiteX11" fmla="*/ 901148 w 1116139"/>
+              <a:gd name="connsiteY11" fmla="*/ 386167 h 483432"/>
+              <a:gd name="connsiteX12" fmla="*/ 980661 w 1116139"/>
+              <a:gd name="connsiteY12" fmla="*/ 425924 h 483432"/>
+              <a:gd name="connsiteX13" fmla="*/ 1086678 w 1116139"/>
+              <a:gd name="connsiteY13" fmla="*/ 346411 h 483432"/>
+              <a:gd name="connsiteX14" fmla="*/ 1086678 w 1116139"/>
+              <a:gd name="connsiteY14" fmla="*/ 280150 h 483432"/>
+              <a:gd name="connsiteX15" fmla="*/ 1113183 w 1116139"/>
+              <a:gd name="connsiteY15" fmla="*/ 187384 h 483432"/>
+              <a:gd name="connsiteX16" fmla="*/ 1007165 w 1116139"/>
+              <a:gd name="connsiteY16" fmla="*/ 134376 h 483432"/>
+              <a:gd name="connsiteX17" fmla="*/ 848139 w 1116139"/>
+              <a:gd name="connsiteY17" fmla="*/ 94619 h 483432"/>
+              <a:gd name="connsiteX18" fmla="*/ 715618 w 1116139"/>
+              <a:gd name="connsiteY18" fmla="*/ 28358 h 483432"/>
+              <a:gd name="connsiteX19" fmla="*/ 543339 w 1116139"/>
+              <a:gd name="connsiteY19" fmla="*/ 28358 h 483432"/>
+              <a:gd name="connsiteX20" fmla="*/ 530087 w 1116139"/>
+              <a:gd name="connsiteY20" fmla="*/ 15106 h 483432"/>
+            </a:gdLst>
+            <a:ahLst/>
+            <a:cxnLst>
+              <a:cxn ang="0">
+                <a:pos x="connsiteX0" y="connsiteY0"/>
+              </a:cxn>
+              <a:cxn ang="0">
+                <a:pos x="connsiteX1" y="connsiteY1"/>
+              </a:cxn>
+              <a:cxn ang="0">
+                <a:pos x="connsiteX2" y="connsiteY2"/>
+              </a:cxn>
+              <a:cxn ang="0">
+                <a:pos x="connsiteX3" y="connsiteY3"/>
+              </a:cxn>
+              <a:cxn ang="0">
+                <a:pos x="connsiteX4" y="connsiteY4"/>
+              </a:cxn>
+              <a:cxn ang="0">
+                <a:pos x="connsiteX5" y="connsiteY5"/>
+              </a:cxn>
+              <a:cxn ang="0">
+                <a:pos x="connsiteX6" y="connsiteY6"/>
+              </a:cxn>
+              <a:cxn ang="0">
+                <a:pos x="connsiteX7" y="connsiteY7"/>
+              </a:cxn>
+              <a:cxn ang="0">
+                <a:pos x="connsiteX8" y="connsiteY8"/>
+              </a:cxn>
+              <a:cxn ang="0">
+                <a:pos x="connsiteX9" y="connsiteY9"/>
+              </a:cxn>
+              <a:cxn ang="0">
+                <a:pos x="connsiteX10" y="connsiteY10"/>
+              </a:cxn>
+              <a:cxn ang="0">
+                <a:pos x="connsiteX11" y="connsiteY11"/>
+              </a:cxn>
+              <a:cxn ang="0">
+                <a:pos x="connsiteX12" y="connsiteY12"/>
+              </a:cxn>
+              <a:cxn ang="0">
+                <a:pos x="connsiteX13" y="connsiteY13"/>
+              </a:cxn>
+              <a:cxn ang="0">
+                <a:pos x="connsiteX14" y="connsiteY14"/>
+              </a:cxn>
+              <a:cxn ang="0">
+                <a:pos x="connsiteX15" y="connsiteY15"/>
+              </a:cxn>
+              <a:cxn ang="0">
+                <a:pos x="connsiteX16" y="connsiteY16"/>
+              </a:cxn>
+              <a:cxn ang="0">
+                <a:pos x="connsiteX17" y="connsiteY17"/>
+              </a:cxn>
+              <a:cxn ang="0">
+                <a:pos x="connsiteX18" y="connsiteY18"/>
+              </a:cxn>
+              <a:cxn ang="0">
+                <a:pos x="connsiteX19" y="connsiteY19"/>
+              </a:cxn>
+              <a:cxn ang="0">
+                <a:pos x="connsiteX20" y="connsiteY20"/>
+              </a:cxn>
+            </a:cxnLst>
+            <a:rect l="l" t="t" r="r" b="b"/>
+            <a:pathLst>
+              <a:path w="1116139" h="483432">
+                <a:moveTo>
+                  <a:pt x="622852" y="41611"/>
+                </a:moveTo>
+                <a:cubicBezTo>
+                  <a:pt x="537817" y="17315"/>
+                  <a:pt x="452782" y="-6981"/>
+                  <a:pt x="384313" y="1854"/>
+                </a:cubicBezTo>
+                <a:cubicBezTo>
+                  <a:pt x="315843" y="10689"/>
+                  <a:pt x="260626" y="70323"/>
+                  <a:pt x="212035" y="94619"/>
+                </a:cubicBezTo>
+                <a:cubicBezTo>
+                  <a:pt x="163444" y="118915"/>
+                  <a:pt x="128104" y="112289"/>
+                  <a:pt x="92765" y="147628"/>
+                </a:cubicBezTo>
+                <a:cubicBezTo>
+                  <a:pt x="57426" y="182967"/>
+                  <a:pt x="0" y="273524"/>
+                  <a:pt x="0" y="306654"/>
+                </a:cubicBezTo>
+                <a:cubicBezTo>
+                  <a:pt x="0" y="339784"/>
+                  <a:pt x="48591" y="317698"/>
+                  <a:pt x="92765" y="346411"/>
+                </a:cubicBezTo>
+                <a:cubicBezTo>
+                  <a:pt x="136939" y="375124"/>
+                  <a:pt x="218661" y="461263"/>
+                  <a:pt x="265044" y="478932"/>
+                </a:cubicBezTo>
+                <a:cubicBezTo>
+                  <a:pt x="311427" y="496601"/>
+                  <a:pt x="318052" y="456845"/>
+                  <a:pt x="371061" y="452428"/>
+                </a:cubicBezTo>
+                <a:cubicBezTo>
+                  <a:pt x="424070" y="448011"/>
+                  <a:pt x="532296" y="456845"/>
+                  <a:pt x="583096" y="452428"/>
+                </a:cubicBezTo>
+                <a:cubicBezTo>
+                  <a:pt x="633896" y="448011"/>
+                  <a:pt x="636105" y="425924"/>
+                  <a:pt x="675861" y="425924"/>
+                </a:cubicBezTo>
+                <a:cubicBezTo>
+                  <a:pt x="715617" y="425924"/>
+                  <a:pt x="784087" y="459054"/>
+                  <a:pt x="821635" y="452428"/>
+                </a:cubicBezTo>
+                <a:cubicBezTo>
+                  <a:pt x="859183" y="445802"/>
+                  <a:pt x="874644" y="390584"/>
+                  <a:pt x="901148" y="386167"/>
+                </a:cubicBezTo>
+                <a:cubicBezTo>
+                  <a:pt x="927652" y="381750"/>
+                  <a:pt x="949739" y="432550"/>
+                  <a:pt x="980661" y="425924"/>
+                </a:cubicBezTo>
+                <a:cubicBezTo>
+                  <a:pt x="1011583" y="419298"/>
+                  <a:pt x="1069009" y="370707"/>
+                  <a:pt x="1086678" y="346411"/>
+                </a:cubicBezTo>
+                <a:cubicBezTo>
+                  <a:pt x="1104347" y="322115"/>
+                  <a:pt x="1082261" y="306654"/>
+                  <a:pt x="1086678" y="280150"/>
+                </a:cubicBezTo>
+                <a:cubicBezTo>
+                  <a:pt x="1091095" y="253646"/>
+                  <a:pt x="1126435" y="211680"/>
+                  <a:pt x="1113183" y="187384"/>
+                </a:cubicBezTo>
+                <a:cubicBezTo>
+                  <a:pt x="1099931" y="163088"/>
+                  <a:pt x="1051339" y="149837"/>
+                  <a:pt x="1007165" y="134376"/>
+                </a:cubicBezTo>
+                <a:cubicBezTo>
+                  <a:pt x="962991" y="118915"/>
+                  <a:pt x="896730" y="112289"/>
+                  <a:pt x="848139" y="94619"/>
+                </a:cubicBezTo>
+                <a:cubicBezTo>
+                  <a:pt x="799548" y="76949"/>
+                  <a:pt x="766418" y="39401"/>
+                  <a:pt x="715618" y="28358"/>
+                </a:cubicBezTo>
+                <a:cubicBezTo>
+                  <a:pt x="664818" y="17314"/>
+                  <a:pt x="574261" y="30567"/>
+                  <a:pt x="543339" y="28358"/>
+                </a:cubicBezTo>
+                <a:cubicBezTo>
+                  <a:pt x="512417" y="26149"/>
+                  <a:pt x="521252" y="20627"/>
+                  <a:pt x="530087" y="15106"/>
+                </a:cubicBezTo>
+              </a:path>
+            </a:pathLst>
+          </a:custGeom>
+          <a:noFill/>
+          <a:ln w="38100">
+            <a:solidFill>
+              <a:srgbClr val="FF0000"/>
+            </a:solidFill>
+          </a:ln>
+        </p:spPr>
+        <p:style>
+          <a:lnRef idx="2">
+            <a:schemeClr val="accent1">
+              <a:shade val="50000"/>
+            </a:schemeClr>
+          </a:lnRef>
+          <a:fillRef idx="1">
+            <a:schemeClr val="accent1"/>
+          </a:fillRef>
+          <a:effectRef idx="0">
+            <a:schemeClr val="accent1"/>
+          </a:effectRef>
+          <a:fontRef idx="minor">
+            <a:schemeClr val="lt1"/>
+          </a:fontRef>
+        </p:style>
+        <p:txBody>
+          <a:bodyPr rtlCol="0" anchor="ctr"/>
+          <a:lstStyle/>
+          <a:p>
+            <a:pPr algn="ctr"/>
+            <a:endParaRPr lang="en-US"/>
+          </a:p>
+        </p:txBody>
+      </p:sp>
+      <p:cxnSp>
+        <p:nvCxnSpPr>
+          <p:cNvPr id="29" name="Straight Arrow Connector 28"/>
+          <p:cNvCxnSpPr/>
+          <p:nvPr/>
+        </p:nvCxnSpPr>
+        <p:spPr>
+          <a:xfrm flipV="1">
+            <a:off x="2461579" y="3051651"/>
+            <a:ext cx="3971273" cy="1983989"/>
+          </a:xfrm>
+          <a:prstGeom prst="straightConnector1">
+            <a:avLst/>
+          </a:prstGeom>
+          <a:ln w="38100">
+            <a:headEnd type="triangle"/>
+            <a:tailEnd type="triangle"/>
+          </a:ln>
+        </p:spPr>
+        <p:style>
+          <a:lnRef idx="3">
+            <a:schemeClr val="accent1"/>
+          </a:lnRef>
+          <a:fillRef idx="0">
+            <a:schemeClr val="accent1"/>
+          </a:fillRef>
+          <a:effectRef idx="2">
+            <a:schemeClr val="accent1"/>
+          </a:effectRef>
+          <a:fontRef idx="minor">
+            <a:schemeClr val="tx1"/>
+          </a:fontRef>
+        </p:style>
+      </p:cxnSp>
+      <p:sp>
+        <p:nvSpPr>
+          <p:cNvPr id="7" name="TextBox 6"/>
+          <p:cNvSpPr txBox="1"/>
+          <p:nvPr/>
+        </p:nvSpPr>
+        <p:spPr>
+          <a:xfrm>
+            <a:off x="508531" y="3162564"/>
+            <a:ext cx="2002215" cy="369332"/>
+          </a:xfrm>
+          <a:prstGeom prst="rect">
+            <a:avLst/>
+          </a:prstGeom>
+          <a:noFill/>
+        </p:spPr>
+        <p:txBody>
+          <a:bodyPr wrap="none" rtlCol="0">
+            <a:spAutoFit/>
+          </a:bodyPr>
+          <a:lstStyle/>
+          <a:p>
+            <a:pPr algn="ctr"/>
+            <a:r>
+              <a:rPr lang="en-US" b="1" dirty="0" smtClean="0">
+                <a:solidFill>
+                  <a:schemeClr val="tx1">
+                    <a:lumMod val="95000"/>
+                    <a:lumOff val="5000"/>
+                  </a:schemeClr>
+                </a:solidFill>
+              </a:rPr>
+              <a:t>Mobile Application</a:t>
+            </a:r>
+            <a:endParaRPr lang="en-IN" b="1" dirty="0">
+              <a:solidFill>
+                <a:schemeClr val="tx1">
+                  <a:lumMod val="95000"/>
+                  <a:lumOff val="5000"/>
+                </a:schemeClr>
+              </a:solidFill>
+            </a:endParaRPr>
+          </a:p>
+        </p:txBody>
+      </p:sp>
+      <p:sp>
+        <p:nvSpPr>
+          <p:cNvPr id="33" name="TextBox 32"/>
+          <p:cNvSpPr txBox="1"/>
+          <p:nvPr/>
+        </p:nvSpPr>
+        <p:spPr>
+          <a:xfrm>
+            <a:off x="453325" y="6113582"/>
+            <a:ext cx="2112631" cy="369332"/>
+          </a:xfrm>
+          <a:prstGeom prst="rect">
+            <a:avLst/>
+          </a:prstGeom>
+          <a:noFill/>
+        </p:spPr>
+        <p:txBody>
+          <a:bodyPr wrap="none" rtlCol="0">
+            <a:spAutoFit/>
+          </a:bodyPr>
+          <a:lstStyle/>
+          <a:p>
+            <a:pPr algn="ctr"/>
+            <a:r>
+              <a:rPr lang="en-US" b="1" dirty="0" smtClean="0">
+                <a:solidFill>
+                  <a:schemeClr val="tx1">
+                    <a:lumMod val="95000"/>
+                    <a:lumOff val="5000"/>
+                  </a:schemeClr>
+                </a:solidFill>
+              </a:rPr>
+              <a:t>Desktop Application</a:t>
+            </a:r>
+            <a:endParaRPr lang="en-IN" b="1" dirty="0">
+              <a:solidFill>
+                <a:schemeClr val="tx1">
+                  <a:lumMod val="95000"/>
+                  <a:lumOff val="5000"/>
+                </a:schemeClr>
+              </a:solidFill>
+            </a:endParaRPr>
+          </a:p>
+        </p:txBody>
+      </p:sp>
+      <p:sp>
+        <p:nvSpPr>
+          <p:cNvPr id="8" name="Up-Down Arrow 7"/>
+          <p:cNvSpPr/>
+          <p:nvPr/>
+        </p:nvSpPr>
+        <p:spPr>
+          <a:xfrm>
+            <a:off x="8012604" y="3109482"/>
+            <a:ext cx="166690" cy="1188210"/>
+          </a:xfrm>
+          <a:prstGeom prst="upDownArrow">
+            <a:avLst/>
+          </a:prstGeom>
+          <a:solidFill>
+            <a:srgbClr val="00B050"/>
+          </a:solidFill>
+        </p:spPr>
+        <p:style>
+          <a:lnRef idx="2">
+            <a:schemeClr val="accent1">
+              <a:shade val="50000"/>
+            </a:schemeClr>
+          </a:lnRef>
+          <a:fillRef idx="1">
+            <a:schemeClr val="accent1"/>
+          </a:fillRef>
+          <a:effectRef idx="0">
+            <a:schemeClr val="accent1"/>
+          </a:effectRef>
+          <a:fontRef idx="minor">
+            <a:schemeClr val="lt1"/>
+          </a:fontRef>
+        </p:style>
+        <p:txBody>
+          <a:bodyPr rtlCol="0" anchor="ctr"/>
+          <a:lstStyle/>
+          <a:p>
+            <a:pPr algn="ctr"/>
+            <a:endParaRPr lang="en-IN"/>
+          </a:p>
+        </p:txBody>
+      </p:sp>
+    </p:spTree>
+    <p:extLst>
+      <p:ext uri="{BB962C8B-B14F-4D97-AF65-F5344CB8AC3E}">
+        <p14:creationId xmlns:p14="http://schemas.microsoft.com/office/powerpoint/2010/main" val="3803400018"/>
+      </p:ext>
+    </p:extLst>
+  </p:cSld>
+  <p:clrMapOvr>
+    <a:masterClrMapping/>
+  </p:clrMapOvr>
+  <p:timing>
+    <p:tnLst>
+      <p:par>
+        <p:cTn id="1" dur="indefinite" restart="never" nodeType="tmRoot"/>
+      </p:par>
+    </p:tnLst>
+  </p:timing>
+</p:sld>
+</file>
+
 <file path=ppt/theme/theme1.xml><?xml version="1.0" encoding="utf-8"?>
 <a:theme xmlns:a="http://schemas.openxmlformats.org/drawingml/2006/main" name="Office Theme">
   <a:themeElements>
@@ -4642,7 +8843,7 @@
     </a:clrScheme>
     <a:fontScheme name="Office">
       <a:majorFont>
-        <a:latin typeface="Calibri Light" panose="020F0302020204030204"/>
+        <a:latin typeface="Calibri Light"/>
         <a:ea typeface=""/>
         <a:cs typeface=""/>
         <a:font script="Jpan" typeface="ＭＳ Ｐゴシック"/>
@@ -4677,7 +8878,7 @@
         <a:font script="Geor" typeface="Sylfaen"/>
       </a:majorFont>
       <a:minorFont>
-        <a:latin typeface="Calibri" panose="020F0502020204030204"/>
+        <a:latin typeface="Calibri"/>
         <a:ea typeface=""/>
         <a:cs typeface=""/>
         <a:font script="Jpan" typeface="ＭＳ Ｐゴシック"/>
@@ -4854,7 +9055,7 @@
   <a:extraClrSchemeLst/>
   <a:extLst>
     <a:ext uri="{05A4C25C-085E-4340-85A3-A5531E510DB2}">
-      <thm15:themeFamily xmlns:thm15="http://schemas.microsoft.com/office/thememl/2012/main" name="Office Theme" id="{62F939B6-93AF-4DB8-9C6B-D6C7DFDC589F}" vid="{4A3C46E8-61CC-4603-A589-7422A47A8E4A}"/>
+      <thm15:themeFamily xmlns:thm15="http://schemas.microsoft.com/office/thememl/2012/main" xmlns="" name="Office Theme" id="{62F939B6-93AF-4DB8-9C6B-D6C7DFDC589F}" vid="{4A3C46E8-61CC-4603-A589-7422A47A8E4A}"/>
     </a:ext>
   </a:extLst>
 </a:theme>
